--- a/documents/Ethical_Hacking_101.pptx
+++ b/documents/Ethical_Hacking_101.pptx
@@ -7,32 +7,42 @@
   <p:sldIdLst>
     <p:sldId id="256" r:id="rId2"/>
     <p:sldId id="264" r:id="rId3"/>
-    <p:sldId id="257" r:id="rId4"/>
-    <p:sldId id="258" r:id="rId5"/>
-    <p:sldId id="259" r:id="rId6"/>
-    <p:sldId id="260" r:id="rId7"/>
-    <p:sldId id="265" r:id="rId8"/>
-    <p:sldId id="261" r:id="rId9"/>
-    <p:sldId id="262" r:id="rId10"/>
-    <p:sldId id="263" r:id="rId11"/>
-    <p:sldId id="266" r:id="rId12"/>
-    <p:sldId id="267" r:id="rId13"/>
-    <p:sldId id="268" r:id="rId14"/>
-    <p:sldId id="269" r:id="rId15"/>
-    <p:sldId id="270" r:id="rId16"/>
-    <p:sldId id="271" r:id="rId17"/>
-    <p:sldId id="272" r:id="rId18"/>
-    <p:sldId id="273" r:id="rId19"/>
-    <p:sldId id="274" r:id="rId20"/>
-    <p:sldId id="275" r:id="rId21"/>
-    <p:sldId id="276" r:id="rId22"/>
-    <p:sldId id="277" r:id="rId23"/>
-    <p:sldId id="279" r:id="rId24"/>
-    <p:sldId id="278" r:id="rId25"/>
-    <p:sldId id="280" r:id="rId26"/>
-    <p:sldId id="281" r:id="rId27"/>
-    <p:sldId id="283" r:id="rId28"/>
-    <p:sldId id="282" r:id="rId29"/>
+    <p:sldId id="284" r:id="rId4"/>
+    <p:sldId id="257" r:id="rId5"/>
+    <p:sldId id="258" r:id="rId6"/>
+    <p:sldId id="259" r:id="rId7"/>
+    <p:sldId id="260" r:id="rId8"/>
+    <p:sldId id="265" r:id="rId9"/>
+    <p:sldId id="261" r:id="rId10"/>
+    <p:sldId id="262" r:id="rId11"/>
+    <p:sldId id="263" r:id="rId12"/>
+    <p:sldId id="266" r:id="rId13"/>
+    <p:sldId id="267" r:id="rId14"/>
+    <p:sldId id="268" r:id="rId15"/>
+    <p:sldId id="269" r:id="rId16"/>
+    <p:sldId id="270" r:id="rId17"/>
+    <p:sldId id="271" r:id="rId18"/>
+    <p:sldId id="272" r:id="rId19"/>
+    <p:sldId id="273" r:id="rId20"/>
+    <p:sldId id="274" r:id="rId21"/>
+    <p:sldId id="275" r:id="rId22"/>
+    <p:sldId id="276" r:id="rId23"/>
+    <p:sldId id="277" r:id="rId24"/>
+    <p:sldId id="279" r:id="rId25"/>
+    <p:sldId id="278" r:id="rId26"/>
+    <p:sldId id="280" r:id="rId27"/>
+    <p:sldId id="285" r:id="rId28"/>
+    <p:sldId id="286" r:id="rId29"/>
+    <p:sldId id="281" r:id="rId30"/>
+    <p:sldId id="283" r:id="rId31"/>
+    <p:sldId id="282" r:id="rId32"/>
+    <p:sldId id="287" r:id="rId33"/>
+    <p:sldId id="289" r:id="rId34"/>
+    <p:sldId id="288" r:id="rId35"/>
+    <p:sldId id="290" r:id="rId36"/>
+    <p:sldId id="291" r:id="rId37"/>
+    <p:sldId id="292" r:id="rId38"/>
+    <p:sldId id="293" r:id="rId39"/>
   </p:sldIdLst>
   <p:sldSz cx="12192000" cy="6858000"/>
   <p:notesSz cx="6858000" cy="9144000"/>
@@ -131,6 +141,11 @@
       </a:defRPr>
     </a:lvl9pPr>
   </p:defaultTextStyle>
+  <p:extLst>
+    <p:ext uri="{EFAFB233-063F-42B5-8137-9DF3F51BA10A}">
+      <p15:sldGuideLst xmlns:p15="http://schemas.microsoft.com/office/powerpoint/2012/main"/>
+    </p:ext>
+  </p:extLst>
 </p:presentation>
 </file>
 
@@ -265,7 +280,7 @@
           <a:p>
             <a:fld id="{EC19B5D7-65F5-41FF-90D5-923A1C8C0E2F}" type="datetimeFigureOut">
               <a:rPr lang="en-US" smtClean="0"/>
-              <a:t>9/26/2019</a:t>
+              <a:t>10/1/2019</a:t>
             </a:fld>
             <a:endParaRPr lang="en-US"/>
           </a:p>
@@ -435,7 +450,7 @@
           <a:p>
             <a:fld id="{EC19B5D7-65F5-41FF-90D5-923A1C8C0E2F}" type="datetimeFigureOut">
               <a:rPr lang="en-US" smtClean="0"/>
-              <a:t>9/26/2019</a:t>
+              <a:t>10/1/2019</a:t>
             </a:fld>
             <a:endParaRPr lang="en-US"/>
           </a:p>
@@ -615,7 +630,7 @@
           <a:p>
             <a:fld id="{EC19B5D7-65F5-41FF-90D5-923A1C8C0E2F}" type="datetimeFigureOut">
               <a:rPr lang="en-US" smtClean="0"/>
-              <a:t>9/26/2019</a:t>
+              <a:t>10/1/2019</a:t>
             </a:fld>
             <a:endParaRPr lang="en-US"/>
           </a:p>
@@ -785,7 +800,7 @@
           <a:p>
             <a:fld id="{EC19B5D7-65F5-41FF-90D5-923A1C8C0E2F}" type="datetimeFigureOut">
               <a:rPr lang="en-US" smtClean="0"/>
-              <a:t>9/26/2019</a:t>
+              <a:t>10/1/2019</a:t>
             </a:fld>
             <a:endParaRPr lang="en-US"/>
           </a:p>
@@ -1031,7 +1046,7 @@
           <a:p>
             <a:fld id="{EC19B5D7-65F5-41FF-90D5-923A1C8C0E2F}" type="datetimeFigureOut">
               <a:rPr lang="en-US" smtClean="0"/>
-              <a:t>9/26/2019</a:t>
+              <a:t>10/1/2019</a:t>
             </a:fld>
             <a:endParaRPr lang="en-US"/>
           </a:p>
@@ -1263,7 +1278,7 @@
           <a:p>
             <a:fld id="{EC19B5D7-65F5-41FF-90D5-923A1C8C0E2F}" type="datetimeFigureOut">
               <a:rPr lang="en-US" smtClean="0"/>
-              <a:t>9/26/2019</a:t>
+              <a:t>10/1/2019</a:t>
             </a:fld>
             <a:endParaRPr lang="en-US"/>
           </a:p>
@@ -1630,7 +1645,7 @@
           <a:p>
             <a:fld id="{EC19B5D7-65F5-41FF-90D5-923A1C8C0E2F}" type="datetimeFigureOut">
               <a:rPr lang="en-US" smtClean="0"/>
-              <a:t>9/26/2019</a:t>
+              <a:t>10/1/2019</a:t>
             </a:fld>
             <a:endParaRPr lang="en-US"/>
           </a:p>
@@ -1748,7 +1763,7 @@
           <a:p>
             <a:fld id="{EC19B5D7-65F5-41FF-90D5-923A1C8C0E2F}" type="datetimeFigureOut">
               <a:rPr lang="en-US" smtClean="0"/>
-              <a:t>9/26/2019</a:t>
+              <a:t>10/1/2019</a:t>
             </a:fld>
             <a:endParaRPr lang="en-US"/>
           </a:p>
@@ -1843,7 +1858,7 @@
           <a:p>
             <a:fld id="{EC19B5D7-65F5-41FF-90D5-923A1C8C0E2F}" type="datetimeFigureOut">
               <a:rPr lang="en-US" smtClean="0"/>
-              <a:t>9/26/2019</a:t>
+              <a:t>10/1/2019</a:t>
             </a:fld>
             <a:endParaRPr lang="en-US"/>
           </a:p>
@@ -2120,7 +2135,7 @@
           <a:p>
             <a:fld id="{EC19B5D7-65F5-41FF-90D5-923A1C8C0E2F}" type="datetimeFigureOut">
               <a:rPr lang="en-US" smtClean="0"/>
-              <a:t>9/26/2019</a:t>
+              <a:t>10/1/2019</a:t>
             </a:fld>
             <a:endParaRPr lang="en-US"/>
           </a:p>
@@ -2373,7 +2388,7 @@
           <a:p>
             <a:fld id="{EC19B5D7-65F5-41FF-90D5-923A1C8C0E2F}" type="datetimeFigureOut">
               <a:rPr lang="en-US" smtClean="0"/>
-              <a:t>9/26/2019</a:t>
+              <a:t>10/1/2019</a:t>
             </a:fld>
             <a:endParaRPr lang="en-US"/>
           </a:p>
@@ -2586,7 +2601,7 @@
           <a:p>
             <a:fld id="{EC19B5D7-65F5-41FF-90D5-923A1C8C0E2F}" type="datetimeFigureOut">
               <a:rPr lang="en-US" smtClean="0"/>
-              <a:t>9/26/2019</a:t>
+              <a:t>10/1/2019</a:t>
             </a:fld>
             <a:endParaRPr lang="en-US"/>
           </a:p>
@@ -3033,7 +3048,6 @@
               <a:rPr lang="en-US" dirty="0" smtClean="0"/>
               <a:t>October 2019</a:t>
             </a:r>
-            <a:endParaRPr lang="en-US" dirty="0" smtClean="0"/>
           </a:p>
           <a:p>
             <a:r>
@@ -3090,6 +3104,109 @@
           <a:p>
             <a:r>
               <a:rPr lang="en-US" dirty="0" smtClean="0"/>
+              <a:t>Maintain access</a:t>
+            </a:r>
+            <a:endParaRPr lang="en-US" dirty="0"/>
+          </a:p>
+        </p:txBody>
+      </p:sp>
+      <p:sp>
+        <p:nvSpPr>
+          <p:cNvPr id="3" name="Content Placeholder 2"/>
+          <p:cNvSpPr>
+            <a:spLocks noGrp="1"/>
+          </p:cNvSpPr>
+          <p:nvPr>
+            <p:ph idx="1"/>
+          </p:nvPr>
+        </p:nvSpPr>
+        <p:spPr/>
+        <p:txBody>
+          <a:bodyPr/>
+          <a:lstStyle/>
+          <a:p>
+            <a:r>
+              <a:rPr lang="en-US" dirty="0" smtClean="0"/>
+              <a:t>Patch the vulnerability to maintain control</a:t>
+            </a:r>
+          </a:p>
+          <a:p>
+            <a:r>
+              <a:rPr lang="en-US" dirty="0" smtClean="0"/>
+              <a:t>Change credentials</a:t>
+            </a:r>
+          </a:p>
+          <a:p>
+            <a:r>
+              <a:rPr lang="en-US" dirty="0" smtClean="0"/>
+              <a:t>Change configurations</a:t>
+            </a:r>
+          </a:p>
+          <a:p>
+            <a:r>
+              <a:rPr lang="en-US" dirty="0" smtClean="0"/>
+              <a:t>Insert a backdoor</a:t>
+            </a:r>
+          </a:p>
+          <a:p>
+            <a:r>
+              <a:rPr lang="en-US" dirty="0" smtClean="0"/>
+              <a:t>Pivot from </a:t>
+            </a:r>
+            <a:r>
+              <a:rPr lang="en-US" dirty="0" smtClean="0"/>
+              <a:t>compromised system to launch further attacks</a:t>
+            </a:r>
+          </a:p>
+        </p:txBody>
+      </p:sp>
+    </p:spTree>
+    <p:extLst>
+      <p:ext uri="{BB962C8B-B14F-4D97-AF65-F5344CB8AC3E}">
+        <p14:creationId xmlns:p14="http://schemas.microsoft.com/office/powerpoint/2010/main" val="4017771258"/>
+      </p:ext>
+    </p:extLst>
+  </p:cSld>
+  <p:clrMapOvr>
+    <a:masterClrMapping/>
+  </p:clrMapOvr>
+</p:sld>
+</file>
+
+<file path=ppt/slides/slide11.xml><?xml version="1.0" encoding="utf-8"?>
+<p:sld xmlns:a="http://schemas.openxmlformats.org/drawingml/2006/main" xmlns:r="http://schemas.openxmlformats.org/officeDocument/2006/relationships" xmlns:p="http://schemas.openxmlformats.org/presentationml/2006/main">
+  <p:cSld>
+    <p:spTree>
+      <p:nvGrpSpPr>
+        <p:cNvPr id="1" name=""/>
+        <p:cNvGrpSpPr/>
+        <p:nvPr/>
+      </p:nvGrpSpPr>
+      <p:grpSpPr>
+        <a:xfrm>
+          <a:off x="0" y="0"/>
+          <a:ext cx="0" cy="0"/>
+          <a:chOff x="0" y="0"/>
+          <a:chExt cx="0" cy="0"/>
+        </a:xfrm>
+      </p:grpSpPr>
+      <p:sp>
+        <p:nvSpPr>
+          <p:cNvPr id="2" name="Title 1"/>
+          <p:cNvSpPr>
+            <a:spLocks noGrp="1"/>
+          </p:cNvSpPr>
+          <p:nvPr>
+            <p:ph type="title"/>
+          </p:nvPr>
+        </p:nvSpPr>
+        <p:spPr/>
+        <p:txBody>
+          <a:bodyPr/>
+          <a:lstStyle/>
+          <a:p>
+            <a:r>
+              <a:rPr lang="en-US" dirty="0" smtClean="0"/>
               <a:t>Clearing tracks</a:t>
             </a:r>
             <a:endParaRPr lang="en-US" dirty="0"/>
@@ -3146,7 +3263,7 @@
 </p:sld>
 </file>
 
-<file path=ppt/slides/slide11.xml><?xml version="1.0" encoding="utf-8"?>
+<file path=ppt/slides/slide12.xml><?xml version="1.0" encoding="utf-8"?>
 <p:sld xmlns:a="http://schemas.openxmlformats.org/drawingml/2006/main" xmlns:r="http://schemas.openxmlformats.org/officeDocument/2006/relationships" xmlns:p="http://schemas.openxmlformats.org/presentationml/2006/main">
   <p:cSld>
     <p:spTree>
@@ -3246,7 +3363,7 @@
 </p:sld>
 </file>
 
-<file path=ppt/slides/slide12.xml><?xml version="1.0" encoding="utf-8"?>
+<file path=ppt/slides/slide13.xml><?xml version="1.0" encoding="utf-8"?>
 <p:sld xmlns:a="http://schemas.openxmlformats.org/drawingml/2006/main" xmlns:r="http://schemas.openxmlformats.org/officeDocument/2006/relationships" xmlns:p="http://schemas.openxmlformats.org/presentationml/2006/main">
   <p:cSld>
     <p:spTree>
@@ -3317,7 +3434,7 @@
 </p:sld>
 </file>
 
-<file path=ppt/slides/slide13.xml><?xml version="1.0" encoding="utf-8"?>
+<file path=ppt/slides/slide14.xml><?xml version="1.0" encoding="utf-8"?>
 <p:sld xmlns:a="http://schemas.openxmlformats.org/drawingml/2006/main" xmlns:r="http://schemas.openxmlformats.org/officeDocument/2006/relationships" xmlns:p="http://schemas.openxmlformats.org/presentationml/2006/main">
   <p:cSld>
     <p:spTree>
@@ -3388,7 +3505,7 @@
 </p:sld>
 </file>
 
-<file path=ppt/slides/slide14.xml><?xml version="1.0" encoding="utf-8"?>
+<file path=ppt/slides/slide15.xml><?xml version="1.0" encoding="utf-8"?>
 <p:sld xmlns:a="http://schemas.openxmlformats.org/drawingml/2006/main" xmlns:r="http://schemas.openxmlformats.org/officeDocument/2006/relationships" xmlns:p="http://schemas.openxmlformats.org/presentationml/2006/main">
   <p:cSld>
     <p:spTree>
@@ -3544,7 +3661,7 @@
 </p:sld>
 </file>
 
-<file path=ppt/slides/slide15.xml><?xml version="1.0" encoding="utf-8"?>
+<file path=ppt/slides/slide16.xml><?xml version="1.0" encoding="utf-8"?>
 <p:sld xmlns:a="http://schemas.openxmlformats.org/drawingml/2006/main" xmlns:r="http://schemas.openxmlformats.org/officeDocument/2006/relationships" xmlns:p="http://schemas.openxmlformats.org/presentationml/2006/main">
   <p:cSld>
     <p:spTree>
@@ -3679,7 +3796,7 @@
 </p:sld>
 </file>
 
-<file path=ppt/slides/slide16.xml><?xml version="1.0" encoding="utf-8"?>
+<file path=ppt/slides/slide17.xml><?xml version="1.0" encoding="utf-8"?>
 <p:sld xmlns:a="http://schemas.openxmlformats.org/drawingml/2006/main" xmlns:r="http://schemas.openxmlformats.org/officeDocument/2006/relationships" xmlns:p="http://schemas.openxmlformats.org/presentationml/2006/main">
   <p:cSld>
     <p:spTree>
@@ -3814,7 +3931,7 @@
 </p:sld>
 </file>
 
-<file path=ppt/slides/slide17.xml><?xml version="1.0" encoding="utf-8"?>
+<file path=ppt/slides/slide18.xml><?xml version="1.0" encoding="utf-8"?>
 <p:sld xmlns:a="http://schemas.openxmlformats.org/drawingml/2006/main" xmlns:r="http://schemas.openxmlformats.org/officeDocument/2006/relationships" xmlns:p="http://schemas.openxmlformats.org/presentationml/2006/main">
   <p:cSld>
     <p:spTree>
@@ -3955,7 +4072,7 @@
 </p:sld>
 </file>
 
-<file path=ppt/slides/slide18.xml><?xml version="1.0" encoding="utf-8"?>
+<file path=ppt/slides/slide19.xml><?xml version="1.0" encoding="utf-8"?>
 <p:sld xmlns:a="http://schemas.openxmlformats.org/drawingml/2006/main" xmlns:r="http://schemas.openxmlformats.org/officeDocument/2006/relationships" xmlns:p="http://schemas.openxmlformats.org/presentationml/2006/main">
   <p:cSld>
     <p:spTree>
@@ -4137,127 +4254,6 @@
 </p:sld>
 </file>
 
-<file path=ppt/slides/slide19.xml><?xml version="1.0" encoding="utf-8"?>
-<p:sld xmlns:a="http://schemas.openxmlformats.org/drawingml/2006/main" xmlns:r="http://schemas.openxmlformats.org/officeDocument/2006/relationships" xmlns:p="http://schemas.openxmlformats.org/presentationml/2006/main">
-  <p:cSld>
-    <p:spTree>
-      <p:nvGrpSpPr>
-        <p:cNvPr id="1" name=""/>
-        <p:cNvGrpSpPr/>
-        <p:nvPr/>
-      </p:nvGrpSpPr>
-      <p:grpSpPr>
-        <a:xfrm>
-          <a:off x="0" y="0"/>
-          <a:ext cx="0" cy="0"/>
-          <a:chOff x="0" y="0"/>
-          <a:chExt cx="0" cy="0"/>
-        </a:xfrm>
-      </p:grpSpPr>
-      <p:sp>
-        <p:nvSpPr>
-          <p:cNvPr id="2" name="Title 1"/>
-          <p:cNvSpPr>
-            <a:spLocks noGrp="1"/>
-          </p:cNvSpPr>
-          <p:nvPr>
-            <p:ph type="title"/>
-          </p:nvPr>
-        </p:nvSpPr>
-        <p:spPr/>
-        <p:txBody>
-          <a:bodyPr/>
-          <a:lstStyle/>
-          <a:p>
-            <a:r>
-              <a:rPr lang="en-US" dirty="0" smtClean="0"/>
-              <a:t>IDLE / Zombie scan</a:t>
-            </a:r>
-            <a:endParaRPr lang="en-US" dirty="0"/>
-          </a:p>
-        </p:txBody>
-      </p:sp>
-      <p:sp>
-        <p:nvSpPr>
-          <p:cNvPr id="3" name="Content Placeholder 2"/>
-          <p:cNvSpPr>
-            <a:spLocks noGrp="1"/>
-          </p:cNvSpPr>
-          <p:nvPr>
-            <p:ph idx="1"/>
-          </p:nvPr>
-        </p:nvSpPr>
-        <p:spPr>
-          <a:xfrm>
-            <a:off x="838200" y="1825625"/>
-            <a:ext cx="10515600" cy="4607259"/>
-          </a:xfrm>
-        </p:spPr>
-        <p:txBody>
-          <a:bodyPr>
-            <a:normAutofit/>
-          </a:bodyPr>
-          <a:lstStyle/>
-          <a:p>
-            <a:r>
-              <a:rPr lang="en-US" dirty="0" smtClean="0"/>
-              <a:t>Send SYN/ACK to zombie computer (should be idle)</a:t>
-            </a:r>
-            <a:endParaRPr lang="en-US" dirty="0"/>
-          </a:p>
-          <a:p>
-            <a:r>
-              <a:rPr lang="en-US" dirty="0" smtClean="0"/>
-              <a:t>Zombie responds with RST – make note of the IPID</a:t>
-            </a:r>
-          </a:p>
-          <a:p>
-            <a:r>
-              <a:rPr lang="en-US" dirty="0" smtClean="0"/>
-              <a:t>Send SYN packet to target spoofing IP of zombie</a:t>
-            </a:r>
-          </a:p>
-          <a:p>
-            <a:r>
-              <a:rPr lang="en-US" dirty="0" smtClean="0"/>
-              <a:t>If port is open target will send SYN/ACK to zombie</a:t>
-            </a:r>
-            <a:r>
-              <a:rPr lang="en-US" dirty="0"/>
-              <a:t> </a:t>
-            </a:r>
-            <a:r>
-              <a:rPr lang="en-US" dirty="0" smtClean="0"/>
-              <a:t>which will reply with RST</a:t>
-            </a:r>
-          </a:p>
-          <a:p>
-            <a:r>
-              <a:rPr lang="en-US" dirty="0" smtClean="0"/>
-              <a:t>If port is closed target will send RST to zombie but zombie will not reply</a:t>
-            </a:r>
-          </a:p>
-          <a:p>
-            <a:r>
-              <a:rPr lang="en-US" dirty="0" smtClean="0"/>
-              <a:t>Send SYN/ACK to zombie again and see if the IPID has incremented by 2 instead of 1. If so port is open</a:t>
-            </a:r>
-          </a:p>
-        </p:txBody>
-      </p:sp>
-    </p:spTree>
-    <p:extLst>
-      <p:ext uri="{BB962C8B-B14F-4D97-AF65-F5344CB8AC3E}">
-        <p14:creationId xmlns:p14="http://schemas.microsoft.com/office/powerpoint/2010/main" val="186738055"/>
-      </p:ext>
-    </p:extLst>
-  </p:cSld>
-  <p:clrMapOvr>
-    <a:masterClrMapping/>
-  </p:clrMapOvr>
-</p:sld>
-</file>
-
 <file path=ppt/slides/slide2.xml><?xml version="1.0" encoding="utf-8"?>
 <p:sld xmlns:a="http://schemas.openxmlformats.org/drawingml/2006/main" xmlns:r="http://schemas.openxmlformats.org/officeDocument/2006/relationships" xmlns:p="http://schemas.openxmlformats.org/presentationml/2006/main">
   <p:cSld>
@@ -4371,7 +4367,7 @@
           <a:p>
             <a:r>
               <a:rPr lang="en-US" dirty="0" smtClean="0"/>
-              <a:t>Web Application vulnerabilities</a:t>
+              <a:t>IDLE / Zombie scan</a:t>
             </a:r>
             <a:endParaRPr lang="en-US" dirty="0"/>
           </a:p>
@@ -4387,47 +4383,68 @@
             <p:ph idx="1"/>
           </p:nvPr>
         </p:nvSpPr>
-        <p:spPr/>
-        <p:txBody>
-          <a:bodyPr/>
-          <a:lstStyle/>
-          <a:p>
-            <a:r>
-              <a:rPr lang="en-US" dirty="0" smtClean="0"/>
-              <a:t>#1 cause for vulnerabilities is lack of input validation!</a:t>
-            </a:r>
-          </a:p>
-          <a:p>
-            <a:r>
-              <a:rPr lang="en-US" dirty="0" smtClean="0"/>
-              <a:t>Validate all values received from client</a:t>
-            </a:r>
-          </a:p>
-          <a:p>
-            <a:r>
-              <a:rPr lang="en-US" dirty="0" smtClean="0"/>
-              <a:t>Reject rather than correct bad data</a:t>
-            </a:r>
-          </a:p>
-          <a:p>
-            <a:r>
-              <a:rPr lang="en-US" dirty="0" smtClean="0"/>
-              <a:t>Example: “../” &gt; “./” = “…/” &gt; “../”</a:t>
-            </a:r>
-          </a:p>
-          <a:p>
-            <a:r>
-              <a:rPr lang="en-US" dirty="0" smtClean="0"/>
-              <a:t>Learn regex if you don’t know it</a:t>
+        <p:spPr>
+          <a:xfrm>
+            <a:off x="838200" y="1825625"/>
+            <a:ext cx="10515600" cy="4607259"/>
+          </a:xfrm>
+        </p:spPr>
+        <p:txBody>
+          <a:bodyPr>
+            <a:normAutofit/>
+          </a:bodyPr>
+          <a:lstStyle/>
+          <a:p>
+            <a:r>
+              <a:rPr lang="en-US" dirty="0" smtClean="0"/>
+              <a:t>Send SYN/ACK to zombie computer (should be idle)</a:t>
             </a:r>
             <a:endParaRPr lang="en-US" dirty="0"/>
+          </a:p>
+          <a:p>
+            <a:r>
+              <a:rPr lang="en-US" dirty="0" smtClean="0"/>
+              <a:t>Zombie responds with RST – make note of the IPID</a:t>
+            </a:r>
+          </a:p>
+          <a:p>
+            <a:r>
+              <a:rPr lang="en-US" dirty="0" smtClean="0"/>
+              <a:t>Send SYN packet to target spoofing IP of zombie</a:t>
+            </a:r>
+          </a:p>
+          <a:p>
+            <a:r>
+              <a:rPr lang="en-US" dirty="0" smtClean="0"/>
+              <a:t>If port is open target will send SYN/ACK to zombie</a:t>
+            </a:r>
+            <a:r>
+              <a:rPr lang="en-US" dirty="0"/>
+              <a:t> </a:t>
+            </a:r>
+            <a:r>
+              <a:rPr lang="en-US" dirty="0" smtClean="0"/>
+              <a:t>which will reply with RST</a:t>
+            </a:r>
+          </a:p>
+          <a:p>
+            <a:r>
+              <a:rPr lang="en-US" dirty="0" smtClean="0"/>
+              <a:t>If port is closed target will send RST to zombie but zombie will not reply</a:t>
+            </a:r>
+          </a:p>
+          <a:p>
+            <a:r>
+              <a:rPr lang="en-US" dirty="0" smtClean="0"/>
+              <a:t>Send SYN/ACK to zombie again and see if the IPID has incremented by 2 instead of 1. If so port is open</a:t>
+            </a:r>
           </a:p>
         </p:txBody>
       </p:sp>
     </p:spTree>
     <p:extLst>
       <p:ext uri="{BB962C8B-B14F-4D97-AF65-F5344CB8AC3E}">
-        <p14:creationId xmlns:p14="http://schemas.microsoft.com/office/powerpoint/2010/main" val="2508569209"/>
+        <p14:creationId xmlns:p14="http://schemas.microsoft.com/office/powerpoint/2010/main" val="186738055"/>
       </p:ext>
     </p:extLst>
   </p:cSld>
@@ -4471,7 +4488,7 @@
           <a:p>
             <a:r>
               <a:rPr lang="en-US" dirty="0" smtClean="0"/>
-              <a:t>OWASP top 10</a:t>
+              <a:t>Web Application vulnerabilities</a:t>
             </a:r>
             <a:endParaRPr lang="en-US" dirty="0"/>
           </a:p>
@@ -4489,96 +4506,36 @@
         </p:nvSpPr>
         <p:spPr/>
         <p:txBody>
-          <a:bodyPr>
-            <a:normAutofit fontScale="92500" lnSpcReduction="20000"/>
-          </a:bodyPr>
-          <a:lstStyle/>
-          <a:p>
-            <a:r>
-              <a:rPr lang="en-US" u="sng" dirty="0" smtClean="0">
-                <a:hlinkClick r:id="rId2"/>
-              </a:rPr>
-              <a:t>Injection</a:t>
-            </a:r>
-            <a:endParaRPr lang="en-US" dirty="0"/>
-          </a:p>
-          <a:p>
-            <a:r>
-              <a:rPr lang="en-US" u="sng" dirty="0">
-                <a:hlinkClick r:id="rId2"/>
-              </a:rPr>
-              <a:t>Broken Authentication</a:t>
-            </a:r>
-            <a:endParaRPr lang="en-US" dirty="0"/>
-          </a:p>
-          <a:p>
-            <a:r>
-              <a:rPr lang="en-US" u="sng" dirty="0">
-                <a:hlinkClick r:id="rId3"/>
-              </a:rPr>
-              <a:t>Sensitive data exposure</a:t>
-            </a:r>
-            <a:endParaRPr lang="en-US" dirty="0"/>
-          </a:p>
-          <a:p>
-            <a:r>
-              <a:rPr lang="en-US" u="sng" dirty="0">
-                <a:hlinkClick r:id="rId3"/>
-              </a:rPr>
-              <a:t>XML External Entities (XXE)</a:t>
-            </a:r>
-            <a:endParaRPr lang="en-US" dirty="0"/>
-          </a:p>
-          <a:p>
-            <a:r>
-              <a:rPr lang="en-US" u="sng" dirty="0">
-                <a:hlinkClick r:id="rId4"/>
-              </a:rPr>
-              <a:t>Broken Access control</a:t>
-            </a:r>
-            <a:endParaRPr lang="en-US" dirty="0"/>
-          </a:p>
-          <a:p>
-            <a:r>
-              <a:rPr lang="en-US" u="sng" dirty="0">
-                <a:hlinkClick r:id="rId4"/>
-              </a:rPr>
-              <a:t>Security misconfigurations</a:t>
-            </a:r>
-            <a:endParaRPr lang="en-US" dirty="0"/>
-          </a:p>
-          <a:p>
-            <a:r>
-              <a:rPr lang="en-US" u="sng" dirty="0">
-                <a:hlinkClick r:id="rId5"/>
-              </a:rPr>
-              <a:t>Cross Site Scripting (XSS)</a:t>
-            </a:r>
-            <a:endParaRPr lang="en-US" dirty="0"/>
-          </a:p>
-          <a:p>
-            <a:r>
-              <a:rPr lang="en-US" u="sng" dirty="0">
-                <a:hlinkClick r:id="rId5"/>
-              </a:rPr>
-              <a:t>Insecure Deserialization</a:t>
-            </a:r>
-            <a:endParaRPr lang="en-US" dirty="0"/>
-          </a:p>
-          <a:p>
-            <a:r>
-              <a:rPr lang="en-US" dirty="0"/>
-              <a:t>Using Components with known vulnerabilities</a:t>
-            </a:r>
-          </a:p>
-          <a:p>
-            <a:r>
-              <a:rPr lang="en-US" dirty="0"/>
-              <a:t>Insufficient logging and </a:t>
-            </a:r>
-            <a:r>
-              <a:rPr lang="en-US" dirty="0" smtClean="0"/>
-              <a:t>monitoring</a:t>
+          <a:bodyPr/>
+          <a:lstStyle/>
+          <a:p>
+            <a:r>
+              <a:rPr lang="en-US" dirty="0" smtClean="0"/>
+              <a:t>#1 cause for vulnerabilities is lack of input validation!</a:t>
+            </a:r>
+          </a:p>
+          <a:p>
+            <a:r>
+              <a:rPr lang="en-US" dirty="0" smtClean="0"/>
+              <a:t>Validate all values received from client</a:t>
+            </a:r>
+          </a:p>
+          <a:p>
+            <a:r>
+              <a:rPr lang="en-US" dirty="0" smtClean="0"/>
+              <a:t>Reject rather than correct bad data</a:t>
+            </a:r>
+          </a:p>
+          <a:p>
+            <a:r>
+              <a:rPr lang="en-US" dirty="0" smtClean="0"/>
+              <a:t>Example: “../” &gt; “./” = “…/” &gt; “../”</a:t>
+            </a:r>
+          </a:p>
+          <a:p>
+            <a:r>
+              <a:rPr lang="en-US" dirty="0" smtClean="0"/>
+              <a:t>Learn regex if you don’t know it</a:t>
             </a:r>
             <a:endParaRPr lang="en-US" dirty="0"/>
           </a:p>
@@ -4587,7 +4544,7 @@
     </p:spTree>
     <p:extLst>
       <p:ext uri="{BB962C8B-B14F-4D97-AF65-F5344CB8AC3E}">
-        <p14:creationId xmlns:p14="http://schemas.microsoft.com/office/powerpoint/2010/main" val="3058018192"/>
+        <p14:creationId xmlns:p14="http://schemas.microsoft.com/office/powerpoint/2010/main" val="2508569209"/>
       </p:ext>
     </p:extLst>
   </p:cSld>
@@ -4631,7 +4588,7 @@
           <a:p>
             <a:r>
               <a:rPr lang="en-US" dirty="0" smtClean="0"/>
-              <a:t>XSS - Cross-Site Scripting</a:t>
+              <a:t>OWASP top 10</a:t>
             </a:r>
             <a:endParaRPr lang="en-US" dirty="0"/>
           </a:p>
@@ -4650,83 +4607,96 @@
         <p:spPr/>
         <p:txBody>
           <a:bodyPr>
-            <a:normAutofit lnSpcReduction="10000"/>
+            <a:normAutofit fontScale="92500" lnSpcReduction="20000"/>
           </a:bodyPr>
           <a:lstStyle/>
           <a:p>
             <a:r>
-              <a:rPr lang="en-US" dirty="0" smtClean="0"/>
-              <a:t>Client trusts server</a:t>
-            </a:r>
-          </a:p>
-          <a:p>
-            <a:r>
-              <a:rPr lang="en-US" dirty="0" smtClean="0"/>
-              <a:t>Inject &lt;script&gt; via </a:t>
-            </a:r>
-            <a:r>
-              <a:rPr lang="en-US" dirty="0" err="1" smtClean="0"/>
-              <a:t>webform</a:t>
-            </a:r>
-            <a:r>
-              <a:rPr lang="en-US" dirty="0" smtClean="0"/>
-              <a:t>, user-generated content, </a:t>
-            </a:r>
-            <a:r>
-              <a:rPr lang="en-US" dirty="0" err="1" smtClean="0"/>
-              <a:t>url</a:t>
-            </a:r>
-            <a:r>
-              <a:rPr lang="en-US" dirty="0" smtClean="0"/>
-              <a:t> parameters</a:t>
-            </a:r>
-          </a:p>
-          <a:p>
-            <a:r>
-              <a:rPr lang="en-US" dirty="0" smtClean="0"/>
-              <a:t>Attackers can read cookies, steal session, log user activity, phish</a:t>
-            </a:r>
-          </a:p>
-          <a:p>
-            <a:r>
-              <a:rPr lang="en-US" dirty="0" err="1" smtClean="0"/>
-              <a:t>Persistant</a:t>
-            </a:r>
-            <a:r>
-              <a:rPr lang="en-US" dirty="0" smtClean="0"/>
-              <a:t> – XSS is stored on server such as DB</a:t>
-            </a:r>
-          </a:p>
-          <a:p>
-            <a:r>
-              <a:rPr lang="en-US" dirty="0" smtClean="0"/>
-              <a:t>Reflective – XSS is stored in URL</a:t>
-            </a:r>
-          </a:p>
-          <a:p>
+              <a:rPr lang="en-US" u="sng" dirty="0" smtClean="0">
+                <a:hlinkClick r:id="rId2"/>
+              </a:rPr>
+              <a:t>Injection</a:t>
+            </a:r>
             <a:endParaRPr lang="en-US" dirty="0"/>
           </a:p>
           <a:p>
             <a:r>
-              <a:rPr lang="en-US" dirty="0" smtClean="0"/>
-              <a:t>XSS example: login to demo site, post message with script tag. The script will be executed for other users who view the message.</a:t>
-            </a:r>
-          </a:p>
-          <a:p>
-            <a:r>
-              <a:rPr lang="en-US" dirty="0" smtClean="0"/>
-              <a:t>&lt;script&gt;alert(‘</a:t>
-            </a:r>
-            <a:r>
-              <a:rPr lang="en-US" dirty="0" err="1" smtClean="0"/>
-              <a:t>xss</a:t>
-            </a:r>
-            <a:r>
-              <a:rPr lang="en-US" dirty="0" smtClean="0"/>
-              <a:t>’)&lt;/script&gt;</a:t>
-            </a:r>
-          </a:p>
-          <a:p>
+              <a:rPr lang="en-US" u="sng" dirty="0">
+                <a:hlinkClick r:id="rId2"/>
+              </a:rPr>
+              <a:t>Broken Authentication</a:t>
+            </a:r>
+            <a:endParaRPr lang="en-US" dirty="0"/>
+          </a:p>
+          <a:p>
+            <a:r>
+              <a:rPr lang="en-US" u="sng" dirty="0">
+                <a:hlinkClick r:id="rId3"/>
+              </a:rPr>
+              <a:t>Sensitive data exposure</a:t>
+            </a:r>
+            <a:endParaRPr lang="en-US" dirty="0"/>
+          </a:p>
+          <a:p>
+            <a:r>
+              <a:rPr lang="en-US" u="sng" dirty="0">
+                <a:hlinkClick r:id="rId3"/>
+              </a:rPr>
+              <a:t>XML External Entities (XXE)</a:t>
+            </a:r>
+            <a:endParaRPr lang="en-US" dirty="0"/>
+          </a:p>
+          <a:p>
+            <a:r>
+              <a:rPr lang="en-US" u="sng" dirty="0">
+                <a:hlinkClick r:id="rId4"/>
+              </a:rPr>
+              <a:t>Broken Access control</a:t>
+            </a:r>
+            <a:endParaRPr lang="en-US" dirty="0"/>
+          </a:p>
+          <a:p>
+            <a:r>
+              <a:rPr lang="en-US" u="sng" dirty="0">
+                <a:hlinkClick r:id="rId4"/>
+              </a:rPr>
+              <a:t>Security misconfigurations</a:t>
+            </a:r>
+            <a:endParaRPr lang="en-US" dirty="0"/>
+          </a:p>
+          <a:p>
+            <a:r>
+              <a:rPr lang="en-US" u="sng" dirty="0">
+                <a:hlinkClick r:id="rId5"/>
+              </a:rPr>
+              <a:t>Cross Site Scripting (XSS)</a:t>
+            </a:r>
+            <a:endParaRPr lang="en-US" dirty="0"/>
+          </a:p>
+          <a:p>
+            <a:r>
+              <a:rPr lang="en-US" u="sng" dirty="0">
+                <a:hlinkClick r:id="rId5"/>
+              </a:rPr>
+              <a:t>Insecure Deserialization</a:t>
+            </a:r>
+            <a:endParaRPr lang="en-US" dirty="0"/>
+          </a:p>
+          <a:p>
+            <a:r>
+              <a:rPr lang="en-US" dirty="0"/>
+              <a:t>Using Components with known vulnerabilities</a:t>
+            </a:r>
+          </a:p>
+          <a:p>
+            <a:r>
+              <a:rPr lang="en-US" dirty="0"/>
+              <a:t>Insufficient logging and </a:t>
+            </a:r>
+            <a:r>
+              <a:rPr lang="en-US" dirty="0" smtClean="0"/>
+              <a:t>monitoring</a:t>
+            </a:r>
             <a:endParaRPr lang="en-US" dirty="0"/>
           </a:p>
         </p:txBody>
@@ -4734,7 +4704,7 @@
     </p:spTree>
     <p:extLst>
       <p:ext uri="{BB962C8B-B14F-4D97-AF65-F5344CB8AC3E}">
-        <p14:creationId xmlns:p14="http://schemas.microsoft.com/office/powerpoint/2010/main" val="709150613"/>
+        <p14:creationId xmlns:p14="http://schemas.microsoft.com/office/powerpoint/2010/main" val="3058018192"/>
       </p:ext>
     </p:extLst>
   </p:cSld>
@@ -4778,7 +4748,7 @@
           <a:p>
             <a:r>
               <a:rPr lang="en-US" dirty="0" smtClean="0"/>
-              <a:t>XSS - Mitigation</a:t>
+              <a:t>XSS - Cross-Site Scripting</a:t>
             </a:r>
             <a:endParaRPr lang="en-US" dirty="0"/>
           </a:p>
@@ -4797,93 +4767,85 @@
         <p:spPr/>
         <p:txBody>
           <a:bodyPr>
-            <a:normAutofit/>
+            <a:normAutofit lnSpcReduction="10000"/>
           </a:bodyPr>
           <a:lstStyle/>
           <a:p>
             <a:r>
               <a:rPr lang="en-US" dirty="0" smtClean="0"/>
-              <a:t>Input validation – If data isn’t exactly what you expect throw it out</a:t>
-            </a:r>
-          </a:p>
-          <a:p>
-            <a:r>
-              <a:rPr lang="en-US" dirty="0" smtClean="0"/>
-              <a:t>Don’t echo client originated data to the page (404 page)</a:t>
-            </a:r>
-          </a:p>
-          <a:p>
-            <a:r>
-              <a:rPr lang="en-US" dirty="0" smtClean="0"/>
-              <a:t>Encode output and use XSS-safe methods</a:t>
-            </a:r>
-          </a:p>
-          <a:p>
-            <a:pPr lvl="1"/>
-            <a:r>
-              <a:rPr lang="en-US" dirty="0" smtClean="0"/>
-              <a:t>jQuery </a:t>
+              <a:t>Client trusts server</a:t>
+            </a:r>
+          </a:p>
+          <a:p>
+            <a:r>
+              <a:rPr lang="en-US" dirty="0" smtClean="0"/>
+              <a:t>Inject &lt;script&gt; via </a:t>
             </a:r>
             <a:r>
               <a:rPr lang="en-US" dirty="0" err="1" smtClean="0"/>
-              <a:t>innerText</a:t>
-            </a:r>
-            <a:r>
-              <a:rPr lang="en-US" dirty="0" smtClean="0"/>
-              <a:t> is safe vs </a:t>
+              <a:t>webform</a:t>
+            </a:r>
+            <a:r>
+              <a:rPr lang="en-US" dirty="0" smtClean="0"/>
+              <a:t>, </a:t>
             </a:r>
             <a:r>
               <a:rPr lang="en-US" dirty="0" err="1" smtClean="0"/>
-              <a:t>innerHTML</a:t>
+              <a:t>url</a:t>
+            </a:r>
+            <a:r>
+              <a:rPr lang="en-US" dirty="0" smtClean="0"/>
+              <a:t> parameters</a:t>
+            </a:r>
+          </a:p>
+          <a:p>
+            <a:r>
+              <a:rPr lang="en-US" dirty="0" smtClean="0"/>
+              <a:t>Attackers can read cookies, steal session, log user </a:t>
+            </a:r>
+            <a:r>
+              <a:rPr lang="en-US" dirty="0" smtClean="0"/>
+              <a:t>activity</a:t>
             </a:r>
             <a:endParaRPr lang="en-US" dirty="0" smtClean="0"/>
           </a:p>
           <a:p>
-            <a:pPr lvl="1"/>
-            <a:r>
-              <a:rPr lang="en-US" dirty="0" smtClean="0"/>
-              <a:t>PHP </a:t>
-            </a:r>
             <a:r>
               <a:rPr lang="en-US" dirty="0" err="1" smtClean="0"/>
-              <a:t>htmlspecialchars</a:t>
-            </a:r>
-            <a:r>
-              <a:rPr lang="en-US" dirty="0" smtClean="0"/>
-              <a:t>() method</a:t>
-            </a:r>
-          </a:p>
-          <a:p>
-            <a:pPr lvl="1"/>
-            <a:r>
-              <a:rPr lang="en-US" dirty="0" smtClean="0"/>
-              <a:t>React default binding vs </a:t>
+              <a:t>Persistant</a:t>
+            </a:r>
+            <a:r>
+              <a:rPr lang="en-US" dirty="0" smtClean="0"/>
+              <a:t> – XSS is stored on server such as DB</a:t>
+            </a:r>
+          </a:p>
+          <a:p>
+            <a:r>
+              <a:rPr lang="en-US" dirty="0" smtClean="0"/>
+              <a:t>Reflective – XSS is stored in URL</a:t>
+            </a:r>
+          </a:p>
+          <a:p>
+            <a:endParaRPr lang="en-US" dirty="0"/>
+          </a:p>
+          <a:p>
+            <a:r>
+              <a:rPr lang="en-US" dirty="0" smtClean="0"/>
+              <a:t>XSS example: login to demo site, post message with script tag. The script will be executed for other users who view the message.</a:t>
+            </a:r>
+          </a:p>
+          <a:p>
+            <a:r>
+              <a:rPr lang="en-US" dirty="0" smtClean="0"/>
+              <a:t>&lt;script&gt;alert(‘</a:t>
             </a:r>
             <a:r>
               <a:rPr lang="en-US" dirty="0" err="1" smtClean="0"/>
-              <a:t>dangerouslySetInnerHtml</a:t>
-            </a:r>
-            <a:endParaRPr lang="en-US" dirty="0" smtClean="0"/>
-          </a:p>
-          <a:p>
-            <a:pPr lvl="1"/>
-            <a:r>
-              <a:rPr lang="en-US" dirty="0" smtClean="0"/>
-              <a:t>Razor default binding vs </a:t>
-            </a:r>
-            <a:r>
-              <a:rPr lang="en-US" dirty="0" err="1" smtClean="0"/>
-              <a:t>Html.Raw</a:t>
-            </a:r>
-            <a:r>
-              <a:rPr lang="en-US" dirty="0" smtClean="0"/>
-              <a:t>()</a:t>
-            </a:r>
-          </a:p>
-          <a:p>
-            <a:r>
-              <a:rPr lang="en-US" dirty="0" smtClean="0"/>
-              <a:t>IIS / .NET has some built in XSS protection</a:t>
+              <a:t>xss</a:t>
+            </a:r>
+            <a:r>
+              <a:rPr lang="en-US" dirty="0" smtClean="0"/>
+              <a:t>’)&lt;/script&gt;</a:t>
             </a:r>
           </a:p>
           <a:p>
@@ -4894,7 +4856,7 @@
     </p:spTree>
     <p:extLst>
       <p:ext uri="{BB962C8B-B14F-4D97-AF65-F5344CB8AC3E}">
-        <p14:creationId xmlns:p14="http://schemas.microsoft.com/office/powerpoint/2010/main" val="1120022702"/>
+        <p14:creationId xmlns:p14="http://schemas.microsoft.com/office/powerpoint/2010/main" val="709150613"/>
       </p:ext>
     </p:extLst>
   </p:cSld>
@@ -4938,7 +4900,7 @@
           <a:p>
             <a:r>
               <a:rPr lang="en-US" dirty="0" smtClean="0"/>
-              <a:t>CSRF – Cross-Site Request Forgery</a:t>
+              <a:t>XSS - Mitigation</a:t>
             </a:r>
             <a:endParaRPr lang="en-US" dirty="0"/>
           </a:p>
@@ -4963,29 +4925,98 @@
           <a:p>
             <a:r>
               <a:rPr lang="en-US" dirty="0" smtClean="0"/>
-              <a:t>Server trusts client</a:t>
-            </a:r>
-          </a:p>
-          <a:p>
-            <a:r>
-              <a:rPr lang="en-US" dirty="0" smtClean="0"/>
-              <a:t>Attacker creates a malicious page that submits to legit server</a:t>
-            </a:r>
-          </a:p>
-          <a:p>
-            <a:r>
-              <a:rPr lang="en-US" dirty="0" smtClean="0"/>
-              <a:t>Attackers can perform server actions on behalf of the user</a:t>
-            </a:r>
-          </a:p>
-          <a:p>
-            <a:endParaRPr lang="en-US" dirty="0"/>
-          </a:p>
-          <a:p>
-            <a:r>
-              <a:rPr lang="en-US" dirty="0" smtClean="0"/>
-              <a:t>CSRF example: login to demo site, save message form, open saved html. Note that you can submit from this saved page (or another domain)</a:t>
-            </a:r>
+              <a:t>Input validation – If data isn’t exactly what you expect throw it out</a:t>
+            </a:r>
+          </a:p>
+          <a:p>
+            <a:r>
+              <a:rPr lang="en-US" dirty="0" smtClean="0"/>
+              <a:t>Don’t echo client originated data to the page </a:t>
+            </a:r>
+            <a:r>
+              <a:rPr lang="en-US" dirty="0" smtClean="0"/>
+              <a:t>(ex. 404 </a:t>
+            </a:r>
+            <a:r>
+              <a:rPr lang="en-US" dirty="0" smtClean="0"/>
+              <a:t>page)</a:t>
+            </a:r>
+          </a:p>
+          <a:p>
+            <a:r>
+              <a:rPr lang="en-US" dirty="0" smtClean="0"/>
+              <a:t>Encode output and use XSS-safe methods</a:t>
+            </a:r>
+          </a:p>
+          <a:p>
+            <a:pPr lvl="1"/>
+            <a:r>
+              <a:rPr lang="en-US" dirty="0" smtClean="0"/>
+              <a:t>jQuery </a:t>
+            </a:r>
+            <a:r>
+              <a:rPr lang="en-US" dirty="0" err="1" smtClean="0"/>
+              <a:t>innerText</a:t>
+            </a:r>
+            <a:r>
+              <a:rPr lang="en-US" dirty="0" smtClean="0"/>
+              <a:t> is safe vs </a:t>
+            </a:r>
+            <a:r>
+              <a:rPr lang="en-US" dirty="0" err="1" smtClean="0"/>
+              <a:t>innerHTML</a:t>
+            </a:r>
+            <a:endParaRPr lang="en-US" dirty="0" smtClean="0"/>
+          </a:p>
+          <a:p>
+            <a:pPr lvl="1"/>
+            <a:r>
+              <a:rPr lang="en-US" dirty="0" smtClean="0"/>
+              <a:t>PHP </a:t>
+            </a:r>
+            <a:r>
+              <a:rPr lang="en-US" dirty="0" err="1" smtClean="0"/>
+              <a:t>htmlspecialchars</a:t>
+            </a:r>
+            <a:r>
+              <a:rPr lang="en-US" dirty="0" smtClean="0"/>
+              <a:t>() method</a:t>
+            </a:r>
+          </a:p>
+          <a:p>
+            <a:pPr lvl="1"/>
+            <a:r>
+              <a:rPr lang="en-US" dirty="0" smtClean="0"/>
+              <a:t>React default binding vs </a:t>
+            </a:r>
+            <a:r>
+              <a:rPr lang="en-US" dirty="0" err="1" smtClean="0"/>
+              <a:t>dangerouslySetInnerHtml</a:t>
+            </a:r>
+            <a:endParaRPr lang="en-US" dirty="0" smtClean="0"/>
+          </a:p>
+          <a:p>
+            <a:pPr lvl="1"/>
+            <a:r>
+              <a:rPr lang="en-US" dirty="0" smtClean="0"/>
+              <a:t>Razor default binding vs </a:t>
+            </a:r>
+            <a:r>
+              <a:rPr lang="en-US" dirty="0" err="1" smtClean="0"/>
+              <a:t>Html.Raw</a:t>
+            </a:r>
+            <a:r>
+              <a:rPr lang="en-US" dirty="0" smtClean="0"/>
+              <a:t>()</a:t>
+            </a:r>
+          </a:p>
+          <a:p>
+            <a:r>
+              <a:rPr lang="en-US" dirty="0" smtClean="0"/>
+              <a:t>IIS / .NET has some built in XSS protection</a:t>
+            </a:r>
+          </a:p>
+          <a:p>
             <a:endParaRPr lang="en-US" dirty="0"/>
           </a:p>
         </p:txBody>
@@ -4993,7 +5024,7 @@
     </p:spTree>
     <p:extLst>
       <p:ext uri="{BB962C8B-B14F-4D97-AF65-F5344CB8AC3E}">
-        <p14:creationId xmlns:p14="http://schemas.microsoft.com/office/powerpoint/2010/main" val="2578255166"/>
+        <p14:creationId xmlns:p14="http://schemas.microsoft.com/office/powerpoint/2010/main" val="1120022702"/>
       </p:ext>
     </p:extLst>
   </p:cSld>
@@ -5037,7 +5068,7 @@
           <a:p>
             <a:r>
               <a:rPr lang="en-US" dirty="0" smtClean="0"/>
-              <a:t>CSRF – Mitigation</a:t>
+              <a:t>CSRF – Cross-Site Request Forgery</a:t>
             </a:r>
             <a:endParaRPr lang="en-US" dirty="0"/>
           </a:p>
@@ -5062,55 +5093,37 @@
           <a:p>
             <a:r>
               <a:rPr lang="en-US" dirty="0" smtClean="0"/>
-              <a:t>Use CSRF tokens</a:t>
-            </a:r>
-          </a:p>
-          <a:p>
-            <a:r>
-              <a:rPr lang="en-US" dirty="0" err="1" smtClean="0"/>
-              <a:t>Stateful</a:t>
-            </a:r>
-            <a:r>
-              <a:rPr lang="en-US" dirty="0" smtClean="0"/>
-              <a:t> method is store unique value in user session, write same value to </a:t>
-            </a:r>
-            <a:r>
-              <a:rPr lang="en-US" dirty="0" err="1" smtClean="0"/>
-              <a:t>webform</a:t>
-            </a:r>
-            <a:r>
-              <a:rPr lang="en-US" dirty="0" smtClean="0"/>
-              <a:t>. Server verifies that values match.</a:t>
-            </a:r>
-          </a:p>
-          <a:p>
-            <a:r>
-              <a:rPr lang="en-US" dirty="0" smtClean="0"/>
-              <a:t>Stateless method is cookie double-submit:</a:t>
-            </a:r>
-          </a:p>
-          <a:p>
-            <a:r>
-              <a:rPr lang="en-US" dirty="0" err="1" smtClean="0"/>
-              <a:t>Webform</a:t>
-            </a:r>
-            <a:r>
-              <a:rPr lang="en-US" dirty="0" smtClean="0"/>
-              <a:t> has a hidden field containing a unique value, user has cookie containing the same value. Server verifies that the values match. An attacker can not modify the site cookies from a separate domain.</a:t>
-            </a:r>
-          </a:p>
-          <a:p>
-            <a:r>
-              <a:rPr lang="en-US" dirty="0" smtClean="0"/>
-              <a:t>Use a library to handle automatic CSRF insertion and validation</a:t>
-            </a:r>
+              <a:t>Server trusts client</a:t>
+            </a:r>
+          </a:p>
+          <a:p>
+            <a:r>
+              <a:rPr lang="en-US" dirty="0" smtClean="0"/>
+              <a:t>Attacker creates a malicious page that submits to legit server</a:t>
+            </a:r>
+          </a:p>
+          <a:p>
+            <a:r>
+              <a:rPr lang="en-US" dirty="0" smtClean="0"/>
+              <a:t>Attackers can perform server actions on behalf of the user</a:t>
+            </a:r>
+          </a:p>
+          <a:p>
+            <a:endParaRPr lang="en-US" dirty="0"/>
+          </a:p>
+          <a:p>
+            <a:r>
+              <a:rPr lang="en-US" dirty="0" smtClean="0"/>
+              <a:t>CSRF example: login to demo site, save message form, open saved html. Note that you can submit from this saved page (or another domain)</a:t>
+            </a:r>
+            <a:endParaRPr lang="en-US" dirty="0"/>
           </a:p>
         </p:txBody>
       </p:sp>
     </p:spTree>
     <p:extLst>
       <p:ext uri="{BB962C8B-B14F-4D97-AF65-F5344CB8AC3E}">
-        <p14:creationId xmlns:p14="http://schemas.microsoft.com/office/powerpoint/2010/main" val="328835950"/>
+        <p14:creationId xmlns:p14="http://schemas.microsoft.com/office/powerpoint/2010/main" val="2578255166"/>
       </p:ext>
     </p:extLst>
   </p:cSld>
@@ -5153,83 +5166,81 @@
           <a:lstStyle/>
           <a:p>
             <a:r>
+              <a:rPr lang="en-US" dirty="0" smtClean="0"/>
+              <a:t>CSRF – Mitigation</a:t>
+            </a:r>
+            <a:endParaRPr lang="en-US" dirty="0"/>
+          </a:p>
+        </p:txBody>
+      </p:sp>
+      <p:sp>
+        <p:nvSpPr>
+          <p:cNvPr id="3" name="Content Placeholder 2"/>
+          <p:cNvSpPr>
+            <a:spLocks noGrp="1"/>
+          </p:cNvSpPr>
+          <p:nvPr>
+            <p:ph idx="1"/>
+          </p:nvPr>
+        </p:nvSpPr>
+        <p:spPr/>
+        <p:txBody>
+          <a:bodyPr>
+            <a:normAutofit/>
+          </a:bodyPr>
+          <a:lstStyle/>
+          <a:p>
+            <a:r>
+              <a:rPr lang="en-US" dirty="0" smtClean="0"/>
+              <a:t>Use CSRF tokens</a:t>
+            </a:r>
+          </a:p>
+          <a:p>
+            <a:r>
               <a:rPr lang="en-US" dirty="0" err="1" smtClean="0"/>
-              <a:t>SQLi</a:t>
-            </a:r>
-            <a:r>
-              <a:rPr lang="en-US" dirty="0" smtClean="0"/>
-              <a:t> – SQL Injection</a:t>
-            </a:r>
-            <a:endParaRPr lang="en-US" dirty="0"/>
-          </a:p>
-        </p:txBody>
-      </p:sp>
-      <p:sp>
-        <p:nvSpPr>
-          <p:cNvPr id="3" name="Content Placeholder 2"/>
-          <p:cNvSpPr>
-            <a:spLocks noGrp="1"/>
-          </p:cNvSpPr>
-          <p:nvPr>
-            <p:ph idx="1"/>
-          </p:nvPr>
-        </p:nvSpPr>
-        <p:spPr/>
-        <p:txBody>
-          <a:bodyPr>
-            <a:normAutofit fontScale="92500" lnSpcReduction="10000"/>
-          </a:bodyPr>
-          <a:lstStyle/>
-          <a:p>
-            <a:r>
-              <a:rPr lang="en-US" dirty="0" smtClean="0"/>
-              <a:t>Modify SQL statements client-side to retrieve restricted data or perform unintended operations</a:t>
-            </a:r>
-          </a:p>
-          <a:p>
-            <a:r>
-              <a:rPr lang="en-US" dirty="0" smtClean="0"/>
-              <a:t>Test with ‘</a:t>
-            </a:r>
-          </a:p>
-          <a:p>
-            <a:r>
-              <a:rPr lang="en-US" dirty="0" smtClean="0"/>
-              <a:t>SELECT * FROM USERS WHERE UNAME=‘${INPUT}’ AND PASS=‘${PASS}’</a:t>
-            </a:r>
-          </a:p>
-          <a:p>
-            <a:r>
-              <a:rPr lang="en-US" dirty="0" smtClean="0"/>
-              <a:t>SELECT * FROM USERS WHERE UNAME=‘AJ’ AND PASS=‘123’</a:t>
-            </a:r>
-          </a:p>
-          <a:p>
-            <a:r>
-              <a:rPr lang="en-US" dirty="0" smtClean="0"/>
-              <a:t>SELECT * FROM USERS WHERE UNAME=‘AJ’ AND PASS=‘’ UNION SELECT * FROM USERS #’</a:t>
-            </a:r>
-          </a:p>
-          <a:p>
-            <a:endParaRPr lang="en-US" dirty="0"/>
-          </a:p>
-          <a:p>
+              <a:t>Stateful</a:t>
+            </a:r>
+            <a:r>
+              <a:rPr lang="en-US" dirty="0" smtClean="0"/>
+              <a:t> method is store unique value in user session, write same value to </a:t>
+            </a:r>
             <a:r>
               <a:rPr lang="en-US" dirty="0" err="1" smtClean="0"/>
-              <a:t>SQLi</a:t>
-            </a:r>
-            <a:r>
-              <a:rPr lang="en-US" dirty="0" smtClean="0"/>
-              <a:t> example: go to search page on demo site and execute the following query: ' union select username,password,3 from users #</a:t>
-            </a:r>
-            <a:endParaRPr lang="en-US" dirty="0"/>
+              <a:t>webform</a:t>
+            </a:r>
+            <a:r>
+              <a:rPr lang="en-US" dirty="0" smtClean="0"/>
+              <a:t>. Server verifies that values match.</a:t>
+            </a:r>
+          </a:p>
+          <a:p>
+            <a:r>
+              <a:rPr lang="en-US" dirty="0" smtClean="0"/>
+              <a:t>Stateless method is cookie double-submit:</a:t>
+            </a:r>
+          </a:p>
+          <a:p>
+            <a:r>
+              <a:rPr lang="en-US" dirty="0" err="1" smtClean="0"/>
+              <a:t>Webform</a:t>
+            </a:r>
+            <a:r>
+              <a:rPr lang="en-US" dirty="0" smtClean="0"/>
+              <a:t> has a hidden field containing a unique value, user has cookie containing the same value. Server verifies that the values match. An attacker can not modify the site cookies from a separate domain.</a:t>
+            </a:r>
+          </a:p>
+          <a:p>
+            <a:r>
+              <a:rPr lang="en-US" dirty="0" smtClean="0"/>
+              <a:t>Use a library to handle automatic CSRF insertion and validation</a:t>
+            </a:r>
           </a:p>
         </p:txBody>
       </p:sp>
     </p:spTree>
     <p:extLst>
       <p:ext uri="{BB962C8B-B14F-4D97-AF65-F5344CB8AC3E}">
-        <p14:creationId xmlns:p14="http://schemas.microsoft.com/office/powerpoint/2010/main" val="3005439458"/>
+        <p14:creationId xmlns:p14="http://schemas.microsoft.com/office/powerpoint/2010/main" val="328835950"/>
       </p:ext>
     </p:extLst>
   </p:cSld>
@@ -5272,102 +5283,115 @@
           <a:lstStyle/>
           <a:p>
             <a:r>
+              <a:rPr lang="en-US" dirty="0" smtClean="0"/>
+              <a:t>Session Fixation</a:t>
+            </a:r>
+            <a:endParaRPr lang="en-US" dirty="0"/>
+          </a:p>
+        </p:txBody>
+      </p:sp>
+      <p:sp>
+        <p:nvSpPr>
+          <p:cNvPr id="3" name="Content Placeholder 2"/>
+          <p:cNvSpPr>
+            <a:spLocks noGrp="1"/>
+          </p:cNvSpPr>
+          <p:nvPr>
+            <p:ph idx="1"/>
+          </p:nvPr>
+        </p:nvSpPr>
+        <p:spPr/>
+        <p:txBody>
+          <a:bodyPr>
+            <a:normAutofit/>
+          </a:bodyPr>
+          <a:lstStyle/>
+          <a:p>
+            <a:r>
+              <a:rPr lang="en-US" dirty="0" smtClean="0"/>
+              <a:t>Allows attacker to steal user session</a:t>
+            </a:r>
+          </a:p>
+          <a:p>
+            <a:r>
+              <a:rPr lang="en-US" dirty="0" smtClean="0"/>
+              <a:t>Attacker sends user a link with a pre-defined session id</a:t>
+            </a:r>
+          </a:p>
+          <a:p>
+            <a:r>
+              <a:rPr lang="en-US" dirty="0" smtClean="0"/>
+              <a:t>User logs in</a:t>
+            </a:r>
+          </a:p>
+          <a:p>
+            <a:r>
+              <a:rPr lang="en-US" dirty="0" smtClean="0"/>
+              <a:t>Attacker knows the session id and is now logged in as the user</a:t>
+            </a:r>
+          </a:p>
+          <a:p>
+            <a:endParaRPr lang="en-US" dirty="0"/>
+          </a:p>
+          <a:p>
+            <a:r>
+              <a:rPr lang="en-US" dirty="0" smtClean="0"/>
+              <a:t>Session Fixation </a:t>
+            </a:r>
+            <a:r>
+              <a:rPr lang="en-US" dirty="0"/>
+              <a:t>example: </a:t>
+            </a:r>
+            <a:r>
+              <a:rPr lang="en-US" dirty="0" smtClean="0"/>
+              <a:t>Set the session id in the URL “</a:t>
+            </a:r>
+            <a:r>
               <a:rPr lang="en-US" dirty="0" err="1" smtClean="0"/>
-              <a:t>bSQLi</a:t>
-            </a:r>
-            <a:r>
-              <a:rPr lang="en-US" dirty="0" smtClean="0"/>
-              <a:t> – Blind SQL Injection</a:t>
+              <a:t>sid</a:t>
+            </a:r>
+            <a:r>
+              <a:rPr lang="en-US" dirty="0" smtClean="0"/>
+              <a:t>=</a:t>
+            </a:r>
+            <a:r>
+              <a:rPr lang="en-US" dirty="0" err="1" smtClean="0"/>
+              <a:t>abc</a:t>
+            </a:r>
+            <a:r>
+              <a:rPr lang="en-US" dirty="0" smtClean="0"/>
+              <a:t>”. Log in using this session. Open another browser and go to </a:t>
+            </a:r>
+            <a:r>
+              <a:rPr lang="en-US" dirty="0" err="1" smtClean="0"/>
+              <a:t>messages.php?sid</a:t>
+            </a:r>
+            <a:r>
+              <a:rPr lang="en-US" dirty="0" smtClean="0"/>
+              <a:t>=</a:t>
+            </a:r>
+            <a:r>
+              <a:rPr lang="en-US" dirty="0" err="1" smtClean="0"/>
+              <a:t>abc</a:t>
+            </a:r>
+            <a:r>
+              <a:rPr lang="en-US" dirty="0" smtClean="0"/>
+              <a:t> and notice that you are logged in</a:t>
             </a:r>
             <a:endParaRPr lang="en-US" dirty="0"/>
           </a:p>
-        </p:txBody>
-      </p:sp>
-      <p:sp>
-        <p:nvSpPr>
-          <p:cNvPr id="3" name="Content Placeholder 2"/>
-          <p:cNvSpPr>
-            <a:spLocks noGrp="1"/>
-          </p:cNvSpPr>
-          <p:nvPr>
-            <p:ph idx="1"/>
-          </p:nvPr>
-        </p:nvSpPr>
-        <p:spPr/>
-        <p:txBody>
-          <a:bodyPr/>
-          <a:lstStyle/>
-          <a:p>
-            <a:r>
-              <a:rPr lang="en-US" dirty="0" smtClean="0"/>
-              <a:t>Used to safely test </a:t>
-            </a:r>
-            <a:r>
-              <a:rPr lang="en-US" dirty="0" err="1" smtClean="0"/>
-              <a:t>SQLi</a:t>
-            </a:r>
-            <a:r>
-              <a:rPr lang="en-US" dirty="0" smtClean="0"/>
-              <a:t> without exposing sensitive data</a:t>
-            </a:r>
-          </a:p>
-          <a:p>
-            <a:r>
-              <a:rPr lang="en-US" dirty="0" smtClean="0"/>
-              <a:t>Rather than dumping data it uses Booleans to determine vulnerability</a:t>
-            </a:r>
-          </a:p>
-          <a:p>
-            <a:r>
-              <a:rPr lang="en-US" dirty="0" smtClean="0"/>
-              <a:t>Try to trigger different responses, if you are able to trigger different application behavior then </a:t>
-            </a:r>
-            <a:r>
-              <a:rPr lang="en-US" dirty="0" err="1" smtClean="0"/>
-              <a:t>SQLi</a:t>
-            </a:r>
-            <a:r>
-              <a:rPr lang="en-US" dirty="0" smtClean="0"/>
-              <a:t> worked</a:t>
-            </a:r>
-          </a:p>
-          <a:p>
-            <a:pPr lvl="1"/>
-            <a:r>
-              <a:rPr lang="en-US" dirty="0" smtClean="0"/>
-              <a:t>` OR 1=1 --</a:t>
-            </a:r>
-          </a:p>
-          <a:p>
-            <a:pPr lvl="1"/>
-            <a:r>
-              <a:rPr lang="en-US" dirty="0" smtClean="0"/>
-              <a:t>‘ OR 1=2 --</a:t>
-            </a:r>
-          </a:p>
-          <a:p>
-            <a:r>
-              <a:rPr lang="en-US" dirty="0" smtClean="0"/>
-              <a:t>Time based – WAIT FOR DELAY ‘30’ – if response takes 30 seconds then </a:t>
-            </a:r>
-            <a:r>
-              <a:rPr lang="en-US" dirty="0" err="1" smtClean="0"/>
-              <a:t>SQLi</a:t>
-            </a:r>
-            <a:r>
-              <a:rPr lang="en-US" dirty="0" smtClean="0"/>
-              <a:t> worked</a:t>
-            </a:r>
-          </a:p>
-          <a:p>
-            <a:endParaRPr lang="en-US" dirty="0"/>
+          <a:p>
+            <a:pPr marL="0" indent="0">
+              <a:buNone/>
+            </a:pPr>
+            <a:endParaRPr lang="en-US" dirty="0" smtClean="0"/>
           </a:p>
         </p:txBody>
       </p:sp>
     </p:spTree>
     <p:extLst>
       <p:ext uri="{BB962C8B-B14F-4D97-AF65-F5344CB8AC3E}">
-        <p14:creationId xmlns:p14="http://schemas.microsoft.com/office/powerpoint/2010/main" val="1548004640"/>
+        <p14:creationId xmlns:p14="http://schemas.microsoft.com/office/powerpoint/2010/main" val="3297814959"/>
       </p:ext>
     </p:extLst>
   </p:cSld>
@@ -5410,12 +5434,8 @@
           <a:lstStyle/>
           <a:p>
             <a:r>
-              <a:rPr lang="en-US" dirty="0" err="1" smtClean="0"/>
-              <a:t>SQLi</a:t>
-            </a:r>
-            <a:r>
-              <a:rPr lang="en-US" dirty="0" smtClean="0"/>
-              <a:t> – Mitigation</a:t>
+              <a:rPr lang="en-US" dirty="0" smtClean="0"/>
+              <a:t>Session Fixation – Mitigation</a:t>
             </a:r>
             <a:endParaRPr lang="en-US" dirty="0"/>
           </a:p>
@@ -5440,48 +5460,152 @@
           <a:p>
             <a:r>
               <a:rPr lang="en-US" dirty="0" smtClean="0"/>
-              <a:t>Validate input</a:t>
-            </a:r>
-          </a:p>
-          <a:p>
-            <a:r>
-              <a:rPr lang="en-US" dirty="0" smtClean="0"/>
-              <a:t>Use parameterized queries</a:t>
-            </a:r>
-          </a:p>
-          <a:p>
-            <a:r>
-              <a:rPr lang="en-US" dirty="0" smtClean="0"/>
-              <a:t>Use parameterized stored procedures</a:t>
-            </a:r>
-          </a:p>
-          <a:p>
-            <a:r>
-              <a:rPr lang="en-US" dirty="0" smtClean="0"/>
-              <a:t>Use an ORM framework such as Entity, </a:t>
-            </a:r>
-            <a:r>
-              <a:rPr lang="en-US" dirty="0" err="1" smtClean="0"/>
-              <a:t>nHibernate</a:t>
-            </a:r>
-            <a:r>
-              <a:rPr lang="en-US" dirty="0" smtClean="0"/>
-              <a:t>, Mongoose</a:t>
-            </a:r>
-          </a:p>
-          <a:p>
-            <a:r>
-              <a:rPr lang="en-US" dirty="0" smtClean="0"/>
-              <a:t>Don’t echo errors to the client</a:t>
-            </a:r>
-            <a:endParaRPr lang="en-US" dirty="0"/>
+              <a:t>Don’t store session id in URL!</a:t>
+            </a:r>
+          </a:p>
+          <a:p>
+            <a:r>
+              <a:rPr lang="en-US" dirty="0" smtClean="0"/>
+              <a:t>Don’t store session id in hidden form field</a:t>
+            </a:r>
+          </a:p>
+          <a:p>
+            <a:r>
+              <a:rPr lang="en-US" dirty="0" smtClean="0"/>
+              <a:t>Store session id in cookies marked same-site</a:t>
+            </a:r>
+          </a:p>
+          <a:p>
+            <a:r>
+              <a:rPr lang="en-US" dirty="0" smtClean="0"/>
+              <a:t>Mitigate XSS which could be used to steal session id</a:t>
+            </a:r>
           </a:p>
         </p:txBody>
       </p:sp>
     </p:spTree>
     <p:extLst>
       <p:ext uri="{BB962C8B-B14F-4D97-AF65-F5344CB8AC3E}">
-        <p14:creationId xmlns:p14="http://schemas.microsoft.com/office/powerpoint/2010/main" val="3122703855"/>
+        <p14:creationId xmlns:p14="http://schemas.microsoft.com/office/powerpoint/2010/main" val="1188259285"/>
+      </p:ext>
+    </p:extLst>
+  </p:cSld>
+  <p:clrMapOvr>
+    <a:masterClrMapping/>
+  </p:clrMapOvr>
+</p:sld>
+</file>
+
+<file path=ppt/slides/slide29.xml><?xml version="1.0" encoding="utf-8"?>
+<p:sld xmlns:a="http://schemas.openxmlformats.org/drawingml/2006/main" xmlns:r="http://schemas.openxmlformats.org/officeDocument/2006/relationships" xmlns:p="http://schemas.openxmlformats.org/presentationml/2006/main">
+  <p:cSld>
+    <p:spTree>
+      <p:nvGrpSpPr>
+        <p:cNvPr id="1" name=""/>
+        <p:cNvGrpSpPr/>
+        <p:nvPr/>
+      </p:nvGrpSpPr>
+      <p:grpSpPr>
+        <a:xfrm>
+          <a:off x="0" y="0"/>
+          <a:ext cx="0" cy="0"/>
+          <a:chOff x="0" y="0"/>
+          <a:chExt cx="0" cy="0"/>
+        </a:xfrm>
+      </p:grpSpPr>
+      <p:sp>
+        <p:nvSpPr>
+          <p:cNvPr id="2" name="Title 1"/>
+          <p:cNvSpPr>
+            <a:spLocks noGrp="1"/>
+          </p:cNvSpPr>
+          <p:nvPr>
+            <p:ph type="title"/>
+          </p:nvPr>
+        </p:nvSpPr>
+        <p:spPr/>
+        <p:txBody>
+          <a:bodyPr/>
+          <a:lstStyle/>
+          <a:p>
+            <a:r>
+              <a:rPr lang="en-US" dirty="0" err="1" smtClean="0"/>
+              <a:t>SQLi</a:t>
+            </a:r>
+            <a:r>
+              <a:rPr lang="en-US" dirty="0" smtClean="0"/>
+              <a:t> – SQL Injection</a:t>
+            </a:r>
+            <a:endParaRPr lang="en-US" dirty="0"/>
+          </a:p>
+        </p:txBody>
+      </p:sp>
+      <p:sp>
+        <p:nvSpPr>
+          <p:cNvPr id="3" name="Content Placeholder 2"/>
+          <p:cNvSpPr>
+            <a:spLocks noGrp="1"/>
+          </p:cNvSpPr>
+          <p:nvPr>
+            <p:ph idx="1"/>
+          </p:nvPr>
+        </p:nvSpPr>
+        <p:spPr/>
+        <p:txBody>
+          <a:bodyPr>
+            <a:normAutofit fontScale="92500" lnSpcReduction="10000"/>
+          </a:bodyPr>
+          <a:lstStyle/>
+          <a:p>
+            <a:r>
+              <a:rPr lang="en-US" dirty="0" smtClean="0"/>
+              <a:t>Modify SQL statements client-side to retrieve restricted data or perform unintended operations</a:t>
+            </a:r>
+          </a:p>
+          <a:p>
+            <a:r>
+              <a:rPr lang="en-US" dirty="0" smtClean="0"/>
+              <a:t>Test with ‘</a:t>
+            </a:r>
+          </a:p>
+          <a:p>
+            <a:r>
+              <a:rPr lang="en-US" dirty="0" smtClean="0"/>
+              <a:t>SELECT * FROM USERS WHERE UNAME=‘${INPUT}’ AND PASS=‘${PASS}’</a:t>
+            </a:r>
+          </a:p>
+          <a:p>
+            <a:r>
+              <a:rPr lang="en-US" dirty="0" smtClean="0"/>
+              <a:t>SELECT * FROM USERS WHERE UNAME=‘AJ’ AND PASS=‘123’</a:t>
+            </a:r>
+          </a:p>
+          <a:p>
+            <a:r>
+              <a:rPr lang="en-US" dirty="0" smtClean="0"/>
+              <a:t>SELECT * FROM USERS WHERE UNAME=‘AJ’ AND PASS=‘’ UNION SELECT * FROM USERS #’</a:t>
+            </a:r>
+          </a:p>
+          <a:p>
+            <a:endParaRPr lang="en-US" dirty="0"/>
+          </a:p>
+          <a:p>
+            <a:r>
+              <a:rPr lang="en-US" dirty="0" err="1" smtClean="0"/>
+              <a:t>SQLi</a:t>
+            </a:r>
+            <a:r>
+              <a:rPr lang="en-US" dirty="0" smtClean="0"/>
+              <a:t> example: go to search page on demo site and execute the following query: ' union select username,password,3 from users #</a:t>
+            </a:r>
+            <a:endParaRPr lang="en-US" dirty="0"/>
+          </a:p>
+        </p:txBody>
+      </p:sp>
+    </p:spTree>
+    <p:extLst>
+      <p:ext uri="{BB962C8B-B14F-4D97-AF65-F5344CB8AC3E}">
+        <p14:creationId xmlns:p14="http://schemas.microsoft.com/office/powerpoint/2010/main" val="3005439458"/>
       </p:ext>
     </p:extLst>
   </p:cSld>
@@ -5525,7 +5649,7 @@
           <a:p>
             <a:r>
               <a:rPr lang="en-US" dirty="0" smtClean="0"/>
-              <a:t>Phases</a:t>
+              <a:t>EC-Council Certified Ethical Hacker v9 curriculum</a:t>
             </a:r>
             <a:endParaRPr lang="en-US" dirty="0"/>
           </a:p>
@@ -5544,63 +5668,107 @@
         <p:spPr>
           <a:xfrm>
             <a:off x="838200" y="1825625"/>
-            <a:ext cx="10515600" cy="2666164"/>
+            <a:ext cx="4905895" cy="4351338"/>
           </a:xfrm>
         </p:spPr>
         <p:txBody>
-          <a:bodyPr/>
-          <a:lstStyle/>
-          <a:p>
-            <a:pPr marL="514350" indent="-514350">
-              <a:buAutoNum type="arabicPeriod"/>
-            </a:pPr>
-            <a:r>
-              <a:rPr lang="en-US" dirty="0" smtClean="0"/>
+          <a:bodyPr>
+            <a:normAutofit lnSpcReduction="10000"/>
+          </a:bodyPr>
+          <a:lstStyle/>
+          <a:p>
+            <a:r>
+              <a:rPr lang="en-US" dirty="0" err="1">
+                <a:solidFill>
+                  <a:schemeClr val="accent5"/>
+                </a:solidFill>
+              </a:rPr>
+              <a:t>Footprinting</a:t>
+            </a:r>
+            <a:r>
+              <a:rPr lang="en-US" dirty="0">
+                <a:solidFill>
+                  <a:schemeClr val="accent5"/>
+                </a:solidFill>
+              </a:rPr>
+              <a:t> and </a:t>
+            </a:r>
+            <a:r>
+              <a:rPr lang="en-US" dirty="0" smtClean="0">
+                <a:solidFill>
+                  <a:schemeClr val="accent5"/>
+                </a:solidFill>
+              </a:rPr>
               <a:t>Reconnaissance</a:t>
             </a:r>
           </a:p>
           <a:p>
-            <a:pPr marL="514350" indent="-514350">
-              <a:buAutoNum type="arabicPeriod"/>
-            </a:pPr>
-            <a:r>
-              <a:rPr lang="en-US" dirty="0" smtClean="0"/>
-              <a:t>Scanning / Enumeration</a:t>
-            </a:r>
-          </a:p>
-          <a:p>
-            <a:pPr marL="514350" indent="-514350">
-              <a:buAutoNum type="arabicPeriod"/>
-            </a:pPr>
-            <a:r>
-              <a:rPr lang="en-US" dirty="0" smtClean="0"/>
-              <a:t>Gaining access</a:t>
-            </a:r>
-          </a:p>
-          <a:p>
-            <a:pPr marL="514350" indent="-514350">
-              <a:buAutoNum type="arabicPeriod"/>
-            </a:pPr>
-            <a:r>
-              <a:rPr lang="en-US" dirty="0" smtClean="0"/>
-              <a:t>Maintaining access</a:t>
-            </a:r>
-          </a:p>
-          <a:p>
-            <a:pPr marL="514350" indent="-514350">
-              <a:buAutoNum type="arabicPeriod"/>
-            </a:pPr>
-            <a:r>
-              <a:rPr lang="en-US" dirty="0" smtClean="0"/>
-              <a:t>Clearing tracks</a:t>
-            </a:r>
-            <a:endParaRPr lang="en-US" dirty="0"/>
-          </a:p>
-        </p:txBody>
-      </p:sp>
-      <p:sp>
-        <p:nvSpPr>
-          <p:cNvPr id="5" name="Title 1"/>
+            <a:r>
+              <a:rPr lang="en-US" dirty="0" smtClean="0">
+                <a:solidFill>
+                  <a:schemeClr val="accent5"/>
+                </a:solidFill>
+              </a:rPr>
+              <a:t>Scanning Networks</a:t>
+            </a:r>
+          </a:p>
+          <a:p>
+            <a:r>
+              <a:rPr lang="en-US" dirty="0" smtClean="0">
+                <a:solidFill>
+                  <a:schemeClr val="accent5"/>
+                </a:solidFill>
+              </a:rPr>
+              <a:t>Enumeration</a:t>
+            </a:r>
+          </a:p>
+          <a:p>
+            <a:r>
+              <a:rPr lang="en-US" dirty="0" smtClean="0">
+                <a:solidFill>
+                  <a:schemeClr val="accent5"/>
+                </a:solidFill>
+              </a:rPr>
+              <a:t>System Hacking</a:t>
+            </a:r>
+          </a:p>
+          <a:p>
+            <a:r>
+              <a:rPr lang="en-US" dirty="0" smtClean="0"/>
+              <a:t>Malware Threats</a:t>
+            </a:r>
+          </a:p>
+          <a:p>
+            <a:r>
+              <a:rPr lang="en-US" dirty="0" smtClean="0"/>
+              <a:t>Sniffing</a:t>
+            </a:r>
+          </a:p>
+          <a:p>
+            <a:r>
+              <a:rPr lang="en-US" dirty="0" smtClean="0"/>
+              <a:t>Social Engineering</a:t>
+            </a:r>
+          </a:p>
+          <a:p>
+            <a:r>
+              <a:rPr lang="en-US" dirty="0" smtClean="0"/>
+              <a:t>Denial </a:t>
+            </a:r>
+            <a:r>
+              <a:rPr lang="en-US" dirty="0"/>
+              <a:t>of </a:t>
+            </a:r>
+            <a:r>
+              <a:rPr lang="en-US" dirty="0" smtClean="0"/>
+              <a:t>Service</a:t>
+            </a:r>
+          </a:p>
+        </p:txBody>
+      </p:sp>
+      <p:sp>
+        <p:nvSpPr>
+          <p:cNvPr id="4" name="Content Placeholder 2"/>
           <p:cNvSpPr txBox="1">
             <a:spLocks/>
           </p:cNvSpPr>
@@ -5608,49 +5776,1466 @@
         </p:nvSpPr>
         <p:spPr>
           <a:xfrm>
-            <a:off x="838200" y="5105567"/>
-            <a:ext cx="10515600" cy="1325563"/>
+            <a:off x="5744095" y="1847388"/>
+            <a:ext cx="4829695" cy="4351338"/>
           </a:xfrm>
           <a:prstGeom prst="rect">
             <a:avLst/>
           </a:prstGeom>
         </p:spPr>
         <p:txBody>
-          <a:bodyPr vert="horz" lIns="91440" tIns="45720" rIns="91440" bIns="45720" rtlCol="0" anchor="ctr">
-            <a:normAutofit/>
+          <a:bodyPr vert="horz" lIns="91440" tIns="45720" rIns="91440" bIns="45720" rtlCol="0">
+            <a:normAutofit fontScale="92500" lnSpcReduction="10000"/>
           </a:bodyPr>
           <a:lstStyle>
-            <a:lvl1pPr algn="l" defTabSz="914400" rtl="0" eaLnBrk="1" latinLnBrk="0" hangingPunct="1">
+            <a:lvl1pPr marL="228600" indent="-228600" algn="l" defTabSz="914400" rtl="0" eaLnBrk="1" latinLnBrk="0" hangingPunct="1">
               <a:lnSpc>
                 <a:spcPct val="90000"/>
               </a:lnSpc>
               <a:spcBef>
-                <a:spcPct val="0"/>
+                <a:spcPts val="1000"/>
               </a:spcBef>
-              <a:buNone/>
-              <a:defRPr sz="4400" kern="1200">
+              <a:buFont typeface="Arial" panose="020B0604020202020204" pitchFamily="34" charset="0"/>
+              <a:buChar char="•"/>
+              <a:defRPr sz="2800" kern="1200">
                 <a:solidFill>
                   <a:schemeClr val="tx1"/>
                 </a:solidFill>
-                <a:latin typeface="+mj-lt"/>
-                <a:ea typeface="+mj-ea"/>
-                <a:cs typeface="+mj-cs"/>
+                <a:latin typeface="+mn-lt"/>
+                <a:ea typeface="+mn-ea"/>
+                <a:cs typeface="+mn-cs"/>
               </a:defRPr>
             </a:lvl1pPr>
+            <a:lvl2pPr marL="685800" indent="-228600" algn="l" defTabSz="914400" rtl="0" eaLnBrk="1" latinLnBrk="0" hangingPunct="1">
+              <a:lnSpc>
+                <a:spcPct val="90000"/>
+              </a:lnSpc>
+              <a:spcBef>
+                <a:spcPts val="500"/>
+              </a:spcBef>
+              <a:buFont typeface="Arial" panose="020B0604020202020204" pitchFamily="34" charset="0"/>
+              <a:buChar char="•"/>
+              <a:defRPr sz="2400" kern="1200">
+                <a:solidFill>
+                  <a:schemeClr val="tx1"/>
+                </a:solidFill>
+                <a:latin typeface="+mn-lt"/>
+                <a:ea typeface="+mn-ea"/>
+                <a:cs typeface="+mn-cs"/>
+              </a:defRPr>
+            </a:lvl2pPr>
+            <a:lvl3pPr marL="1143000" indent="-228600" algn="l" defTabSz="914400" rtl="0" eaLnBrk="1" latinLnBrk="0" hangingPunct="1">
+              <a:lnSpc>
+                <a:spcPct val="90000"/>
+              </a:lnSpc>
+              <a:spcBef>
+                <a:spcPts val="500"/>
+              </a:spcBef>
+              <a:buFont typeface="Arial" panose="020B0604020202020204" pitchFamily="34" charset="0"/>
+              <a:buChar char="•"/>
+              <a:defRPr sz="2000" kern="1200">
+                <a:solidFill>
+                  <a:schemeClr val="tx1"/>
+                </a:solidFill>
+                <a:latin typeface="+mn-lt"/>
+                <a:ea typeface="+mn-ea"/>
+                <a:cs typeface="+mn-cs"/>
+              </a:defRPr>
+            </a:lvl3pPr>
+            <a:lvl4pPr marL="1600200" indent="-228600" algn="l" defTabSz="914400" rtl="0" eaLnBrk="1" latinLnBrk="0" hangingPunct="1">
+              <a:lnSpc>
+                <a:spcPct val="90000"/>
+              </a:lnSpc>
+              <a:spcBef>
+                <a:spcPts val="500"/>
+              </a:spcBef>
+              <a:buFont typeface="Arial" panose="020B0604020202020204" pitchFamily="34" charset="0"/>
+              <a:buChar char="•"/>
+              <a:defRPr sz="1800" kern="1200">
+                <a:solidFill>
+                  <a:schemeClr val="tx1"/>
+                </a:solidFill>
+                <a:latin typeface="+mn-lt"/>
+                <a:ea typeface="+mn-ea"/>
+                <a:cs typeface="+mn-cs"/>
+              </a:defRPr>
+            </a:lvl4pPr>
+            <a:lvl5pPr marL="2057400" indent="-228600" algn="l" defTabSz="914400" rtl="0" eaLnBrk="1" latinLnBrk="0" hangingPunct="1">
+              <a:lnSpc>
+                <a:spcPct val="90000"/>
+              </a:lnSpc>
+              <a:spcBef>
+                <a:spcPts val="500"/>
+              </a:spcBef>
+              <a:buFont typeface="Arial" panose="020B0604020202020204" pitchFamily="34" charset="0"/>
+              <a:buChar char="•"/>
+              <a:defRPr sz="1800" kern="1200">
+                <a:solidFill>
+                  <a:schemeClr val="tx1"/>
+                </a:solidFill>
+                <a:latin typeface="+mn-lt"/>
+                <a:ea typeface="+mn-ea"/>
+                <a:cs typeface="+mn-cs"/>
+              </a:defRPr>
+            </a:lvl5pPr>
+            <a:lvl6pPr marL="2514600" indent="-228600" algn="l" defTabSz="914400" rtl="0" eaLnBrk="1" latinLnBrk="0" hangingPunct="1">
+              <a:lnSpc>
+                <a:spcPct val="90000"/>
+              </a:lnSpc>
+              <a:spcBef>
+                <a:spcPts val="500"/>
+              </a:spcBef>
+              <a:buFont typeface="Arial" panose="020B0604020202020204" pitchFamily="34" charset="0"/>
+              <a:buChar char="•"/>
+              <a:defRPr sz="1800" kern="1200">
+                <a:solidFill>
+                  <a:schemeClr val="tx1"/>
+                </a:solidFill>
+                <a:latin typeface="+mn-lt"/>
+                <a:ea typeface="+mn-ea"/>
+                <a:cs typeface="+mn-cs"/>
+              </a:defRPr>
+            </a:lvl6pPr>
+            <a:lvl7pPr marL="2971800" indent="-228600" algn="l" defTabSz="914400" rtl="0" eaLnBrk="1" latinLnBrk="0" hangingPunct="1">
+              <a:lnSpc>
+                <a:spcPct val="90000"/>
+              </a:lnSpc>
+              <a:spcBef>
+                <a:spcPts val="500"/>
+              </a:spcBef>
+              <a:buFont typeface="Arial" panose="020B0604020202020204" pitchFamily="34" charset="0"/>
+              <a:buChar char="•"/>
+              <a:defRPr sz="1800" kern="1200">
+                <a:solidFill>
+                  <a:schemeClr val="tx1"/>
+                </a:solidFill>
+                <a:latin typeface="+mn-lt"/>
+                <a:ea typeface="+mn-ea"/>
+                <a:cs typeface="+mn-cs"/>
+              </a:defRPr>
+            </a:lvl7pPr>
+            <a:lvl8pPr marL="3429000" indent="-228600" algn="l" defTabSz="914400" rtl="0" eaLnBrk="1" latinLnBrk="0" hangingPunct="1">
+              <a:lnSpc>
+                <a:spcPct val="90000"/>
+              </a:lnSpc>
+              <a:spcBef>
+                <a:spcPts val="500"/>
+              </a:spcBef>
+              <a:buFont typeface="Arial" panose="020B0604020202020204" pitchFamily="34" charset="0"/>
+              <a:buChar char="•"/>
+              <a:defRPr sz="1800" kern="1200">
+                <a:solidFill>
+                  <a:schemeClr val="tx1"/>
+                </a:solidFill>
+                <a:latin typeface="+mn-lt"/>
+                <a:ea typeface="+mn-ea"/>
+                <a:cs typeface="+mn-cs"/>
+              </a:defRPr>
+            </a:lvl8pPr>
+            <a:lvl9pPr marL="3886200" indent="-228600" algn="l" defTabSz="914400" rtl="0" eaLnBrk="1" latinLnBrk="0" hangingPunct="1">
+              <a:lnSpc>
+                <a:spcPct val="90000"/>
+              </a:lnSpc>
+              <a:spcBef>
+                <a:spcPts val="500"/>
+              </a:spcBef>
+              <a:buFont typeface="Arial" panose="020B0604020202020204" pitchFamily="34" charset="0"/>
+              <a:buChar char="•"/>
+              <a:defRPr sz="1800" kern="1200">
+                <a:solidFill>
+                  <a:schemeClr val="tx1"/>
+                </a:solidFill>
+                <a:latin typeface="+mn-lt"/>
+                <a:ea typeface="+mn-ea"/>
+                <a:cs typeface="+mn-cs"/>
+              </a:defRPr>
+            </a:lvl9pPr>
           </a:lstStyle>
           <a:p>
             <a:r>
-              <a:rPr lang="en-US" dirty="0" smtClean="0"/>
-              <a:t>Document everything!</a:t>
-            </a:r>
-            <a:endParaRPr lang="en-US" dirty="0"/>
+              <a:rPr lang="en-US" dirty="0" smtClean="0">
+                <a:solidFill>
+                  <a:schemeClr val="accent5"/>
+                </a:solidFill>
+              </a:rPr>
+              <a:t>Session Hijacking</a:t>
+            </a:r>
+          </a:p>
+          <a:p>
+            <a:r>
+              <a:rPr lang="en-US" dirty="0" smtClean="0">
+                <a:solidFill>
+                  <a:schemeClr val="accent5"/>
+                </a:solidFill>
+              </a:rPr>
+              <a:t>Hacking </a:t>
+            </a:r>
+            <a:r>
+              <a:rPr lang="en-US" dirty="0">
+                <a:solidFill>
+                  <a:schemeClr val="accent5"/>
+                </a:solidFill>
+              </a:rPr>
+              <a:t>Web </a:t>
+            </a:r>
+            <a:r>
+              <a:rPr lang="en-US" dirty="0" smtClean="0">
+                <a:solidFill>
+                  <a:schemeClr val="accent5"/>
+                </a:solidFill>
+              </a:rPr>
+              <a:t>servers</a:t>
+            </a:r>
+          </a:p>
+          <a:p>
+            <a:r>
+              <a:rPr lang="en-US" dirty="0" smtClean="0">
+                <a:solidFill>
+                  <a:schemeClr val="accent5"/>
+                </a:solidFill>
+              </a:rPr>
+              <a:t>Hacking </a:t>
+            </a:r>
+            <a:r>
+              <a:rPr lang="en-US" dirty="0">
+                <a:solidFill>
+                  <a:schemeClr val="accent5"/>
+                </a:solidFill>
+              </a:rPr>
+              <a:t>Web </a:t>
+            </a:r>
+            <a:r>
+              <a:rPr lang="en-US" dirty="0" smtClean="0">
+                <a:solidFill>
+                  <a:schemeClr val="accent5"/>
+                </a:solidFill>
+              </a:rPr>
+              <a:t>Applications</a:t>
+            </a:r>
+          </a:p>
+          <a:p>
+            <a:r>
+              <a:rPr lang="en-US" dirty="0" smtClean="0">
+                <a:solidFill>
+                  <a:schemeClr val="accent5"/>
+                </a:solidFill>
+              </a:rPr>
+              <a:t>SQL Injection</a:t>
+            </a:r>
+          </a:p>
+          <a:p>
+            <a:r>
+              <a:rPr lang="en-US" dirty="0" smtClean="0"/>
+              <a:t>Hacking </a:t>
+            </a:r>
+            <a:r>
+              <a:rPr lang="en-US" dirty="0"/>
+              <a:t>Wireless </a:t>
+            </a:r>
+            <a:r>
+              <a:rPr lang="en-US" dirty="0" smtClean="0"/>
+              <a:t>Networks</a:t>
+            </a:r>
+          </a:p>
+          <a:p>
+            <a:r>
+              <a:rPr lang="en-US" dirty="0" smtClean="0"/>
+              <a:t>Hacking </a:t>
+            </a:r>
+            <a:r>
+              <a:rPr lang="en-US" dirty="0"/>
+              <a:t>Mobile </a:t>
+            </a:r>
+            <a:r>
+              <a:rPr lang="en-US" dirty="0" smtClean="0"/>
+              <a:t>Platforms</a:t>
+            </a:r>
+          </a:p>
+          <a:p>
+            <a:r>
+              <a:rPr lang="en-US" dirty="0" smtClean="0"/>
+              <a:t>Evading </a:t>
+            </a:r>
+            <a:r>
+              <a:rPr lang="en-US" dirty="0"/>
+              <a:t>IDS, Firewalls, and </a:t>
+            </a:r>
+            <a:r>
+              <a:rPr lang="en-US" dirty="0" smtClean="0"/>
+              <a:t>Honeypot</a:t>
+            </a:r>
+          </a:p>
+          <a:p>
+            <a:r>
+              <a:rPr lang="en-US" dirty="0" smtClean="0"/>
+              <a:t>Cloud Computing</a:t>
+            </a:r>
+          </a:p>
+          <a:p>
+            <a:r>
+              <a:rPr lang="en-US" dirty="0" smtClean="0"/>
+              <a:t>Cryptography</a:t>
+            </a:r>
           </a:p>
         </p:txBody>
       </p:sp>
     </p:spTree>
     <p:extLst>
       <p:ext uri="{BB962C8B-B14F-4D97-AF65-F5344CB8AC3E}">
-        <p14:creationId xmlns:p14="http://schemas.microsoft.com/office/powerpoint/2010/main" val="296142828"/>
+        <p14:creationId xmlns:p14="http://schemas.microsoft.com/office/powerpoint/2010/main" val="3764077185"/>
+      </p:ext>
+    </p:extLst>
+  </p:cSld>
+  <p:clrMapOvr>
+    <a:masterClrMapping/>
+  </p:clrMapOvr>
+</p:sld>
+</file>
+
+<file path=ppt/slides/slide30.xml><?xml version="1.0" encoding="utf-8"?>
+<p:sld xmlns:a="http://schemas.openxmlformats.org/drawingml/2006/main" xmlns:r="http://schemas.openxmlformats.org/officeDocument/2006/relationships" xmlns:p="http://schemas.openxmlformats.org/presentationml/2006/main">
+  <p:cSld>
+    <p:spTree>
+      <p:nvGrpSpPr>
+        <p:cNvPr id="1" name=""/>
+        <p:cNvGrpSpPr/>
+        <p:nvPr/>
+      </p:nvGrpSpPr>
+      <p:grpSpPr>
+        <a:xfrm>
+          <a:off x="0" y="0"/>
+          <a:ext cx="0" cy="0"/>
+          <a:chOff x="0" y="0"/>
+          <a:chExt cx="0" cy="0"/>
+        </a:xfrm>
+      </p:grpSpPr>
+      <p:sp>
+        <p:nvSpPr>
+          <p:cNvPr id="2" name="Title 1"/>
+          <p:cNvSpPr>
+            <a:spLocks noGrp="1"/>
+          </p:cNvSpPr>
+          <p:nvPr>
+            <p:ph type="title"/>
+          </p:nvPr>
+        </p:nvSpPr>
+        <p:spPr/>
+        <p:txBody>
+          <a:bodyPr/>
+          <a:lstStyle/>
+          <a:p>
+            <a:r>
+              <a:rPr lang="en-US" dirty="0" err="1" smtClean="0"/>
+              <a:t>bSQLi</a:t>
+            </a:r>
+            <a:r>
+              <a:rPr lang="en-US" dirty="0" smtClean="0"/>
+              <a:t> – Blind SQL Injection</a:t>
+            </a:r>
+            <a:endParaRPr lang="en-US" dirty="0"/>
+          </a:p>
+        </p:txBody>
+      </p:sp>
+      <p:sp>
+        <p:nvSpPr>
+          <p:cNvPr id="3" name="Content Placeholder 2"/>
+          <p:cNvSpPr>
+            <a:spLocks noGrp="1"/>
+          </p:cNvSpPr>
+          <p:nvPr>
+            <p:ph idx="1"/>
+          </p:nvPr>
+        </p:nvSpPr>
+        <p:spPr/>
+        <p:txBody>
+          <a:bodyPr/>
+          <a:lstStyle/>
+          <a:p>
+            <a:r>
+              <a:rPr lang="en-US" dirty="0" smtClean="0"/>
+              <a:t>Used to safely test </a:t>
+            </a:r>
+            <a:r>
+              <a:rPr lang="en-US" dirty="0" err="1" smtClean="0"/>
+              <a:t>SQLi</a:t>
+            </a:r>
+            <a:r>
+              <a:rPr lang="en-US" dirty="0" smtClean="0"/>
+              <a:t> without exposing sensitive data</a:t>
+            </a:r>
+          </a:p>
+          <a:p>
+            <a:r>
+              <a:rPr lang="en-US" dirty="0" smtClean="0"/>
+              <a:t>Rather than dumping data it uses Booleans to determine vulnerability</a:t>
+            </a:r>
+          </a:p>
+          <a:p>
+            <a:r>
+              <a:rPr lang="en-US" dirty="0" smtClean="0"/>
+              <a:t>Try to trigger different responses, if you are able to trigger different application behavior then </a:t>
+            </a:r>
+            <a:r>
+              <a:rPr lang="en-US" dirty="0" err="1" smtClean="0"/>
+              <a:t>SQLi</a:t>
+            </a:r>
+            <a:r>
+              <a:rPr lang="en-US" dirty="0" smtClean="0"/>
+              <a:t> worked</a:t>
+            </a:r>
+          </a:p>
+          <a:p>
+            <a:pPr lvl="1"/>
+            <a:r>
+              <a:rPr lang="en-US" dirty="0" smtClean="0"/>
+              <a:t>` OR 1=1 --</a:t>
+            </a:r>
+          </a:p>
+          <a:p>
+            <a:pPr lvl="1"/>
+            <a:r>
+              <a:rPr lang="en-US" dirty="0" smtClean="0"/>
+              <a:t>‘ OR 1=2 --</a:t>
+            </a:r>
+          </a:p>
+          <a:p>
+            <a:r>
+              <a:rPr lang="en-US" dirty="0" smtClean="0"/>
+              <a:t>Time based – WAIT FOR DELAY ‘30’ – if response takes 30 seconds then </a:t>
+            </a:r>
+            <a:r>
+              <a:rPr lang="en-US" dirty="0" err="1" smtClean="0"/>
+              <a:t>SQLi</a:t>
+            </a:r>
+            <a:r>
+              <a:rPr lang="en-US" dirty="0" smtClean="0"/>
+              <a:t> worked</a:t>
+            </a:r>
+          </a:p>
+          <a:p>
+            <a:endParaRPr lang="en-US" dirty="0"/>
+          </a:p>
+        </p:txBody>
+      </p:sp>
+    </p:spTree>
+    <p:extLst>
+      <p:ext uri="{BB962C8B-B14F-4D97-AF65-F5344CB8AC3E}">
+        <p14:creationId xmlns:p14="http://schemas.microsoft.com/office/powerpoint/2010/main" val="1548004640"/>
+      </p:ext>
+    </p:extLst>
+  </p:cSld>
+  <p:clrMapOvr>
+    <a:masterClrMapping/>
+  </p:clrMapOvr>
+</p:sld>
+</file>
+
+<file path=ppt/slides/slide31.xml><?xml version="1.0" encoding="utf-8"?>
+<p:sld xmlns:a="http://schemas.openxmlformats.org/drawingml/2006/main" xmlns:r="http://schemas.openxmlformats.org/officeDocument/2006/relationships" xmlns:p="http://schemas.openxmlformats.org/presentationml/2006/main">
+  <p:cSld>
+    <p:spTree>
+      <p:nvGrpSpPr>
+        <p:cNvPr id="1" name=""/>
+        <p:cNvGrpSpPr/>
+        <p:nvPr/>
+      </p:nvGrpSpPr>
+      <p:grpSpPr>
+        <a:xfrm>
+          <a:off x="0" y="0"/>
+          <a:ext cx="0" cy="0"/>
+          <a:chOff x="0" y="0"/>
+          <a:chExt cx="0" cy="0"/>
+        </a:xfrm>
+      </p:grpSpPr>
+      <p:sp>
+        <p:nvSpPr>
+          <p:cNvPr id="2" name="Title 1"/>
+          <p:cNvSpPr>
+            <a:spLocks noGrp="1"/>
+          </p:cNvSpPr>
+          <p:nvPr>
+            <p:ph type="title"/>
+          </p:nvPr>
+        </p:nvSpPr>
+        <p:spPr/>
+        <p:txBody>
+          <a:bodyPr/>
+          <a:lstStyle/>
+          <a:p>
+            <a:r>
+              <a:rPr lang="en-US" dirty="0" err="1" smtClean="0"/>
+              <a:t>SQLi</a:t>
+            </a:r>
+            <a:r>
+              <a:rPr lang="en-US" dirty="0" smtClean="0"/>
+              <a:t> – Mitigation</a:t>
+            </a:r>
+            <a:endParaRPr lang="en-US" dirty="0"/>
+          </a:p>
+        </p:txBody>
+      </p:sp>
+      <p:sp>
+        <p:nvSpPr>
+          <p:cNvPr id="3" name="Content Placeholder 2"/>
+          <p:cNvSpPr>
+            <a:spLocks noGrp="1"/>
+          </p:cNvSpPr>
+          <p:nvPr>
+            <p:ph idx="1"/>
+          </p:nvPr>
+        </p:nvSpPr>
+        <p:spPr/>
+        <p:txBody>
+          <a:bodyPr>
+            <a:normAutofit/>
+          </a:bodyPr>
+          <a:lstStyle/>
+          <a:p>
+            <a:r>
+              <a:rPr lang="en-US" dirty="0" smtClean="0"/>
+              <a:t>Validate input</a:t>
+            </a:r>
+          </a:p>
+          <a:p>
+            <a:r>
+              <a:rPr lang="en-US" dirty="0" smtClean="0"/>
+              <a:t>Use parameterized queries</a:t>
+            </a:r>
+          </a:p>
+          <a:p>
+            <a:r>
+              <a:rPr lang="en-US" dirty="0" smtClean="0"/>
+              <a:t>Use parameterized stored procedures</a:t>
+            </a:r>
+          </a:p>
+          <a:p>
+            <a:r>
+              <a:rPr lang="en-US" dirty="0" smtClean="0"/>
+              <a:t>Use an ORM framework such as Entity, </a:t>
+            </a:r>
+            <a:r>
+              <a:rPr lang="en-US" dirty="0" err="1" smtClean="0"/>
+              <a:t>nHibernate</a:t>
+            </a:r>
+            <a:r>
+              <a:rPr lang="en-US" dirty="0" smtClean="0"/>
+              <a:t>, Mongoose</a:t>
+            </a:r>
+          </a:p>
+          <a:p>
+            <a:r>
+              <a:rPr lang="en-US" dirty="0" smtClean="0"/>
+              <a:t>Don’t echo errors to the client</a:t>
+            </a:r>
+            <a:endParaRPr lang="en-US" dirty="0"/>
+          </a:p>
+        </p:txBody>
+      </p:sp>
+    </p:spTree>
+    <p:extLst>
+      <p:ext uri="{BB962C8B-B14F-4D97-AF65-F5344CB8AC3E}">
+        <p14:creationId xmlns:p14="http://schemas.microsoft.com/office/powerpoint/2010/main" val="3122703855"/>
+      </p:ext>
+    </p:extLst>
+  </p:cSld>
+  <p:clrMapOvr>
+    <a:masterClrMapping/>
+  </p:clrMapOvr>
+</p:sld>
+</file>
+
+<file path=ppt/slides/slide32.xml><?xml version="1.0" encoding="utf-8"?>
+<p:sld xmlns:a="http://schemas.openxmlformats.org/drawingml/2006/main" xmlns:r="http://schemas.openxmlformats.org/officeDocument/2006/relationships" xmlns:p="http://schemas.openxmlformats.org/presentationml/2006/main">
+  <p:cSld>
+    <p:spTree>
+      <p:nvGrpSpPr>
+        <p:cNvPr id="1" name=""/>
+        <p:cNvGrpSpPr/>
+        <p:nvPr/>
+      </p:nvGrpSpPr>
+      <p:grpSpPr>
+        <a:xfrm>
+          <a:off x="0" y="0"/>
+          <a:ext cx="0" cy="0"/>
+          <a:chOff x="0" y="0"/>
+          <a:chExt cx="0" cy="0"/>
+        </a:xfrm>
+      </p:grpSpPr>
+      <p:sp>
+        <p:nvSpPr>
+          <p:cNvPr id="2" name="Title 1"/>
+          <p:cNvSpPr>
+            <a:spLocks noGrp="1"/>
+          </p:cNvSpPr>
+          <p:nvPr>
+            <p:ph type="title"/>
+          </p:nvPr>
+        </p:nvSpPr>
+        <p:spPr/>
+        <p:txBody>
+          <a:bodyPr/>
+          <a:lstStyle/>
+          <a:p>
+            <a:r>
+              <a:rPr lang="en-US" dirty="0" smtClean="0"/>
+              <a:t>Password Cracking</a:t>
+            </a:r>
+            <a:endParaRPr lang="en-US" dirty="0"/>
+          </a:p>
+        </p:txBody>
+      </p:sp>
+      <p:sp>
+        <p:nvSpPr>
+          <p:cNvPr id="3" name="Content Placeholder 2"/>
+          <p:cNvSpPr>
+            <a:spLocks noGrp="1"/>
+          </p:cNvSpPr>
+          <p:nvPr>
+            <p:ph idx="1"/>
+          </p:nvPr>
+        </p:nvSpPr>
+        <p:spPr/>
+        <p:txBody>
+          <a:bodyPr>
+            <a:normAutofit lnSpcReduction="10000"/>
+          </a:bodyPr>
+          <a:lstStyle/>
+          <a:p>
+            <a:r>
+              <a:rPr lang="en-US" dirty="0" smtClean="0"/>
+              <a:t>Passwords are stored as hashes, you need to crack the has</a:t>
+            </a:r>
+            <a:r>
+              <a:rPr lang="en-US" dirty="0" smtClean="0"/>
+              <a:t>h</a:t>
+            </a:r>
+          </a:p>
+          <a:p>
+            <a:r>
+              <a:rPr lang="en-US" dirty="0" smtClean="0"/>
+              <a:t>Common methods:</a:t>
+            </a:r>
+          </a:p>
+          <a:p>
+            <a:pPr lvl="1"/>
+            <a:r>
+              <a:rPr lang="en-US" dirty="0" smtClean="0"/>
+              <a:t>Brute-Force</a:t>
+            </a:r>
+          </a:p>
+          <a:p>
+            <a:pPr lvl="1"/>
+            <a:r>
+              <a:rPr lang="en-US" dirty="0" smtClean="0"/>
+              <a:t>Dictionary</a:t>
+            </a:r>
+          </a:p>
+          <a:p>
+            <a:pPr lvl="1"/>
+            <a:r>
+              <a:rPr lang="en-US" dirty="0" smtClean="0"/>
+              <a:t>Precomputed hash table</a:t>
+            </a:r>
+          </a:p>
+          <a:p>
+            <a:pPr lvl="1"/>
+            <a:r>
+              <a:rPr lang="en-US" dirty="0" smtClean="0"/>
+              <a:t>Rainbow tables</a:t>
+            </a:r>
+          </a:p>
+          <a:p>
+            <a:r>
+              <a:rPr lang="en-US" dirty="0" err="1" smtClean="0"/>
+              <a:t>Keyspace</a:t>
+            </a:r>
+            <a:endParaRPr lang="en-US" dirty="0"/>
+          </a:p>
+          <a:p>
+            <a:pPr lvl="1"/>
+            <a:r>
+              <a:rPr lang="en-US" dirty="0" smtClean="0"/>
+              <a:t>“a-z” = 26</a:t>
+            </a:r>
+          </a:p>
+          <a:p>
+            <a:pPr lvl="1"/>
+            <a:r>
+              <a:rPr lang="en-US" dirty="0" smtClean="0"/>
+              <a:t> </a:t>
+            </a:r>
+            <a:r>
+              <a:rPr lang="en-US" dirty="0" smtClean="0"/>
+              <a:t>“a-zA-Z0-9” = 52</a:t>
+            </a:r>
+          </a:p>
+          <a:p>
+            <a:r>
+              <a:rPr lang="en-US" dirty="0" smtClean="0"/>
+              <a:t>“Big-O notation” for cracking password is </a:t>
+            </a:r>
+            <a:r>
+              <a:rPr lang="en-US" dirty="0" err="1" smtClean="0"/>
+              <a:t>length^keyspace</a:t>
+            </a:r>
+            <a:endParaRPr lang="en-US" dirty="0" smtClean="0"/>
+          </a:p>
+        </p:txBody>
+      </p:sp>
+    </p:spTree>
+    <p:extLst>
+      <p:ext uri="{BB962C8B-B14F-4D97-AF65-F5344CB8AC3E}">
+        <p14:creationId xmlns:p14="http://schemas.microsoft.com/office/powerpoint/2010/main" val="1908591504"/>
+      </p:ext>
+    </p:extLst>
+  </p:cSld>
+  <p:clrMapOvr>
+    <a:masterClrMapping/>
+  </p:clrMapOvr>
+</p:sld>
+</file>
+
+<file path=ppt/slides/slide33.xml><?xml version="1.0" encoding="utf-8"?>
+<p:sld xmlns:a="http://schemas.openxmlformats.org/drawingml/2006/main" xmlns:r="http://schemas.openxmlformats.org/officeDocument/2006/relationships" xmlns:p="http://schemas.openxmlformats.org/presentationml/2006/main">
+  <p:cSld>
+    <p:spTree>
+      <p:nvGrpSpPr>
+        <p:cNvPr id="1" name=""/>
+        <p:cNvGrpSpPr/>
+        <p:nvPr/>
+      </p:nvGrpSpPr>
+      <p:grpSpPr>
+        <a:xfrm>
+          <a:off x="0" y="0"/>
+          <a:ext cx="0" cy="0"/>
+          <a:chOff x="0" y="0"/>
+          <a:chExt cx="0" cy="0"/>
+        </a:xfrm>
+      </p:grpSpPr>
+      <p:sp>
+        <p:nvSpPr>
+          <p:cNvPr id="2" name="Title 1"/>
+          <p:cNvSpPr>
+            <a:spLocks noGrp="1"/>
+          </p:cNvSpPr>
+          <p:nvPr>
+            <p:ph type="title"/>
+          </p:nvPr>
+        </p:nvSpPr>
+        <p:spPr/>
+        <p:txBody>
+          <a:bodyPr/>
+          <a:lstStyle/>
+          <a:p>
+            <a:r>
+              <a:rPr lang="en-US" dirty="0" smtClean="0"/>
+              <a:t>Password cracking tools</a:t>
+            </a:r>
+            <a:endParaRPr lang="en-US" dirty="0"/>
+          </a:p>
+        </p:txBody>
+      </p:sp>
+      <p:sp>
+        <p:nvSpPr>
+          <p:cNvPr id="3" name="Content Placeholder 2"/>
+          <p:cNvSpPr>
+            <a:spLocks noGrp="1"/>
+          </p:cNvSpPr>
+          <p:nvPr>
+            <p:ph idx="1"/>
+          </p:nvPr>
+        </p:nvSpPr>
+        <p:spPr/>
+        <p:txBody>
+          <a:bodyPr>
+            <a:normAutofit/>
+          </a:bodyPr>
+          <a:lstStyle/>
+          <a:p>
+            <a:r>
+              <a:rPr lang="en-US" dirty="0" smtClean="0"/>
+              <a:t>John the Ripper / Johnny</a:t>
+            </a:r>
+          </a:p>
+          <a:p>
+            <a:r>
+              <a:rPr lang="en-US" dirty="0" smtClean="0"/>
+              <a:t>THC Hydra</a:t>
+            </a:r>
+          </a:p>
+          <a:p>
+            <a:r>
+              <a:rPr lang="en-US" dirty="0" smtClean="0"/>
+              <a:t>Rainbow Crack</a:t>
+            </a:r>
+          </a:p>
+          <a:p>
+            <a:r>
+              <a:rPr lang="en-US" dirty="0" err="1" smtClean="0"/>
+              <a:t>Pyrit</a:t>
+            </a:r>
+            <a:endParaRPr lang="en-US" dirty="0" smtClean="0"/>
+          </a:p>
+          <a:p>
+            <a:endParaRPr lang="en-US" dirty="0" smtClean="0"/>
+          </a:p>
+          <a:p>
+            <a:r>
+              <a:rPr lang="en-US" dirty="0" smtClean="0"/>
+              <a:t>Related tools:</a:t>
+            </a:r>
+          </a:p>
+          <a:p>
+            <a:r>
+              <a:rPr lang="en-US" dirty="0"/>
+              <a:t>h</a:t>
+            </a:r>
+            <a:r>
+              <a:rPr lang="en-US" dirty="0" smtClean="0"/>
+              <a:t>ash-identifier</a:t>
+            </a:r>
+          </a:p>
+          <a:p>
+            <a:r>
+              <a:rPr lang="en-US" dirty="0"/>
+              <a:t>p</a:t>
+            </a:r>
+            <a:r>
+              <a:rPr lang="en-US" dirty="0" smtClean="0"/>
+              <a:t>ass sniper (by me :)</a:t>
+            </a:r>
+            <a:endParaRPr lang="en-US" dirty="0"/>
+          </a:p>
+        </p:txBody>
+      </p:sp>
+    </p:spTree>
+    <p:extLst>
+      <p:ext uri="{BB962C8B-B14F-4D97-AF65-F5344CB8AC3E}">
+        <p14:creationId xmlns:p14="http://schemas.microsoft.com/office/powerpoint/2010/main" val="4268389922"/>
+      </p:ext>
+    </p:extLst>
+  </p:cSld>
+  <p:clrMapOvr>
+    <a:masterClrMapping/>
+  </p:clrMapOvr>
+</p:sld>
+</file>
+
+<file path=ppt/slides/slide34.xml><?xml version="1.0" encoding="utf-8"?>
+<p:sld xmlns:a="http://schemas.openxmlformats.org/drawingml/2006/main" xmlns:r="http://schemas.openxmlformats.org/officeDocument/2006/relationships" xmlns:p="http://schemas.openxmlformats.org/presentationml/2006/main">
+  <p:cSld>
+    <p:spTree>
+      <p:nvGrpSpPr>
+        <p:cNvPr id="1" name=""/>
+        <p:cNvGrpSpPr/>
+        <p:nvPr/>
+      </p:nvGrpSpPr>
+      <p:grpSpPr>
+        <a:xfrm>
+          <a:off x="0" y="0"/>
+          <a:ext cx="0" cy="0"/>
+          <a:chOff x="0" y="0"/>
+          <a:chExt cx="0" cy="0"/>
+        </a:xfrm>
+      </p:grpSpPr>
+      <p:sp>
+        <p:nvSpPr>
+          <p:cNvPr id="2" name="Title 1"/>
+          <p:cNvSpPr>
+            <a:spLocks noGrp="1"/>
+          </p:cNvSpPr>
+          <p:nvPr>
+            <p:ph type="title"/>
+          </p:nvPr>
+        </p:nvSpPr>
+        <p:spPr/>
+        <p:txBody>
+          <a:bodyPr/>
+          <a:lstStyle/>
+          <a:p>
+            <a:r>
+              <a:rPr lang="en-US" dirty="0" smtClean="0"/>
+              <a:t>Password Cracking - Mitigation</a:t>
+            </a:r>
+            <a:endParaRPr lang="en-US" dirty="0"/>
+          </a:p>
+        </p:txBody>
+      </p:sp>
+      <p:sp>
+        <p:nvSpPr>
+          <p:cNvPr id="3" name="Content Placeholder 2"/>
+          <p:cNvSpPr>
+            <a:spLocks noGrp="1"/>
+          </p:cNvSpPr>
+          <p:nvPr>
+            <p:ph idx="1"/>
+          </p:nvPr>
+        </p:nvSpPr>
+        <p:spPr/>
+        <p:txBody>
+          <a:bodyPr>
+            <a:normAutofit/>
+          </a:bodyPr>
+          <a:lstStyle/>
+          <a:p>
+            <a:r>
+              <a:rPr lang="en-US" dirty="0" smtClean="0"/>
+              <a:t>Don’t use plaintext!</a:t>
+            </a:r>
+          </a:p>
+          <a:p>
+            <a:r>
+              <a:rPr lang="en-US" dirty="0" smtClean="0"/>
+              <a:t>Don’t “encrypt” passwords (encryption = 2 way, hash = 1 way)</a:t>
+            </a:r>
+            <a:endParaRPr lang="en-US" dirty="0" smtClean="0"/>
+          </a:p>
+          <a:p>
+            <a:r>
+              <a:rPr lang="en-US" dirty="0" smtClean="0"/>
+              <a:t>Don’t use MD5 or SHA-1 – these are busted (collisions found)</a:t>
+            </a:r>
+          </a:p>
+          <a:p>
+            <a:r>
+              <a:rPr lang="en-US" dirty="0" smtClean="0"/>
+              <a:t>Use a slow hashing algorithm such as </a:t>
+            </a:r>
+            <a:r>
+              <a:rPr lang="en-US" dirty="0" err="1" smtClean="0"/>
+              <a:t>bcrypt</a:t>
+            </a:r>
+            <a:r>
+              <a:rPr lang="en-US" dirty="0" smtClean="0"/>
+              <a:t> or </a:t>
+            </a:r>
+            <a:r>
+              <a:rPr lang="en-US" dirty="0" err="1" smtClean="0"/>
+              <a:t>scrypt</a:t>
+            </a:r>
+            <a:endParaRPr lang="en-US" dirty="0" smtClean="0"/>
+          </a:p>
+          <a:p>
+            <a:r>
+              <a:rPr lang="en-US" dirty="0" smtClean="0"/>
+              <a:t>Salt your passwords to prevent precomputed and rainbow attacks</a:t>
+            </a:r>
+          </a:p>
+          <a:p>
+            <a:r>
+              <a:rPr lang="en-US" dirty="0" smtClean="0"/>
+              <a:t>Use robust password requirements: length and complexity</a:t>
+            </a:r>
+          </a:p>
+          <a:p>
+            <a:endParaRPr lang="en-US" dirty="0"/>
+          </a:p>
+        </p:txBody>
+      </p:sp>
+    </p:spTree>
+    <p:extLst>
+      <p:ext uri="{BB962C8B-B14F-4D97-AF65-F5344CB8AC3E}">
+        <p14:creationId xmlns:p14="http://schemas.microsoft.com/office/powerpoint/2010/main" val="248509478"/>
+      </p:ext>
+    </p:extLst>
+  </p:cSld>
+  <p:clrMapOvr>
+    <a:masterClrMapping/>
+  </p:clrMapOvr>
+</p:sld>
+</file>
+
+<file path=ppt/slides/slide35.xml><?xml version="1.0" encoding="utf-8"?>
+<p:sld xmlns:a="http://schemas.openxmlformats.org/drawingml/2006/main" xmlns:r="http://schemas.openxmlformats.org/officeDocument/2006/relationships" xmlns:p="http://schemas.openxmlformats.org/presentationml/2006/main">
+  <p:cSld>
+    <p:spTree>
+      <p:nvGrpSpPr>
+        <p:cNvPr id="1" name=""/>
+        <p:cNvGrpSpPr/>
+        <p:nvPr/>
+      </p:nvGrpSpPr>
+      <p:grpSpPr>
+        <a:xfrm>
+          <a:off x="0" y="0"/>
+          <a:ext cx="0" cy="0"/>
+          <a:chOff x="0" y="0"/>
+          <a:chExt cx="0" cy="0"/>
+        </a:xfrm>
+      </p:grpSpPr>
+      <p:sp>
+        <p:nvSpPr>
+          <p:cNvPr id="2" name="Title 1"/>
+          <p:cNvSpPr>
+            <a:spLocks noGrp="1"/>
+          </p:cNvSpPr>
+          <p:nvPr>
+            <p:ph type="title"/>
+          </p:nvPr>
+        </p:nvSpPr>
+        <p:spPr/>
+        <p:txBody>
+          <a:bodyPr/>
+          <a:lstStyle/>
+          <a:p>
+            <a:r>
+              <a:rPr lang="en-US" dirty="0" smtClean="0"/>
+              <a:t>Website defacement</a:t>
+            </a:r>
+            <a:endParaRPr lang="en-US" dirty="0"/>
+          </a:p>
+        </p:txBody>
+      </p:sp>
+      <p:sp>
+        <p:nvSpPr>
+          <p:cNvPr id="3" name="Content Placeholder 2"/>
+          <p:cNvSpPr>
+            <a:spLocks noGrp="1"/>
+          </p:cNvSpPr>
+          <p:nvPr>
+            <p:ph idx="1"/>
+          </p:nvPr>
+        </p:nvSpPr>
+        <p:spPr/>
+        <p:txBody>
+          <a:bodyPr>
+            <a:normAutofit/>
+          </a:bodyPr>
+          <a:lstStyle/>
+          <a:p>
+            <a:r>
+              <a:rPr lang="en-US" dirty="0" smtClean="0"/>
+              <a:t>Spread your hacktivist message</a:t>
+            </a:r>
+          </a:p>
+          <a:p>
+            <a:r>
+              <a:rPr lang="en-US" dirty="0" smtClean="0"/>
+              <a:t>Change source code to capture user data</a:t>
+            </a:r>
+          </a:p>
+          <a:p>
+            <a:r>
+              <a:rPr lang="en-US" dirty="0" smtClean="0"/>
+              <a:t>Replace legitimate files / email addresses with malicious ones</a:t>
+            </a:r>
+          </a:p>
+          <a:p>
+            <a:r>
+              <a:rPr lang="en-US" dirty="0" smtClean="0"/>
+              <a:t>Need access to server (FTP/SSH/CMS)</a:t>
+            </a:r>
+          </a:p>
+          <a:p>
+            <a:endParaRPr lang="en-US" dirty="0"/>
+          </a:p>
+          <a:p>
+            <a:r>
+              <a:rPr lang="en-US" dirty="0" smtClean="0"/>
+              <a:t>Mitigation: Lock your shit down!</a:t>
+            </a:r>
+          </a:p>
+        </p:txBody>
+      </p:sp>
+    </p:spTree>
+    <p:extLst>
+      <p:ext uri="{BB962C8B-B14F-4D97-AF65-F5344CB8AC3E}">
+        <p14:creationId xmlns:p14="http://schemas.microsoft.com/office/powerpoint/2010/main" val="742687616"/>
+      </p:ext>
+    </p:extLst>
+  </p:cSld>
+  <p:clrMapOvr>
+    <a:masterClrMapping/>
+  </p:clrMapOvr>
+</p:sld>
+</file>
+
+<file path=ppt/slides/slide36.xml><?xml version="1.0" encoding="utf-8"?>
+<p:sld xmlns:a="http://schemas.openxmlformats.org/drawingml/2006/main" xmlns:r="http://schemas.openxmlformats.org/officeDocument/2006/relationships" xmlns:p="http://schemas.openxmlformats.org/presentationml/2006/main">
+  <p:cSld>
+    <p:spTree>
+      <p:nvGrpSpPr>
+        <p:cNvPr id="1" name=""/>
+        <p:cNvGrpSpPr/>
+        <p:nvPr/>
+      </p:nvGrpSpPr>
+      <p:grpSpPr>
+        <a:xfrm>
+          <a:off x="0" y="0"/>
+          <a:ext cx="0" cy="0"/>
+          <a:chOff x="0" y="0"/>
+          <a:chExt cx="0" cy="0"/>
+        </a:xfrm>
+      </p:grpSpPr>
+      <p:sp>
+        <p:nvSpPr>
+          <p:cNvPr id="2" name="Title 1"/>
+          <p:cNvSpPr>
+            <a:spLocks noGrp="1"/>
+          </p:cNvSpPr>
+          <p:nvPr>
+            <p:ph type="title"/>
+          </p:nvPr>
+        </p:nvSpPr>
+        <p:spPr/>
+        <p:txBody>
+          <a:bodyPr/>
+          <a:lstStyle/>
+          <a:p>
+            <a:r>
+              <a:rPr lang="en-US" dirty="0" smtClean="0"/>
+              <a:t>Grab SSL/TLS private key</a:t>
+            </a:r>
+            <a:endParaRPr lang="en-US" dirty="0"/>
+          </a:p>
+        </p:txBody>
+      </p:sp>
+      <p:sp>
+        <p:nvSpPr>
+          <p:cNvPr id="3" name="Content Placeholder 2"/>
+          <p:cNvSpPr>
+            <a:spLocks noGrp="1"/>
+          </p:cNvSpPr>
+          <p:nvPr>
+            <p:ph idx="1"/>
+          </p:nvPr>
+        </p:nvSpPr>
+        <p:spPr/>
+        <p:txBody>
+          <a:bodyPr>
+            <a:normAutofit/>
+          </a:bodyPr>
+          <a:lstStyle/>
+          <a:p>
+            <a:r>
+              <a:rPr lang="en-US" dirty="0" smtClean="0"/>
+              <a:t>Attacker can use it to make fake sites seem legitimate</a:t>
+            </a:r>
+            <a:endParaRPr lang="en-US" dirty="0"/>
+          </a:p>
+          <a:p>
+            <a:r>
+              <a:rPr lang="en-US" dirty="0" smtClean="0"/>
+              <a:t>Decrypt traffic MITM</a:t>
+            </a:r>
+          </a:p>
+          <a:p>
+            <a:r>
+              <a:rPr lang="en-US" dirty="0" smtClean="0"/>
+              <a:t>Key can be obtained via server access</a:t>
+            </a:r>
+          </a:p>
+          <a:p>
+            <a:r>
+              <a:rPr lang="en-US" dirty="0" smtClean="0"/>
+              <a:t>Can also be obtained via memory dump exploits (</a:t>
+            </a:r>
+            <a:r>
+              <a:rPr lang="en-US" dirty="0" err="1" smtClean="0"/>
+              <a:t>heartbleed</a:t>
+            </a:r>
+            <a:r>
+              <a:rPr lang="en-US" dirty="0" smtClean="0"/>
+              <a:t>)</a:t>
+            </a:r>
+          </a:p>
+          <a:p>
+            <a:endParaRPr lang="en-US" dirty="0"/>
+          </a:p>
+          <a:p>
+            <a:r>
+              <a:rPr lang="en-US" dirty="0" smtClean="0"/>
+              <a:t>Example: Test server has FTP directory traversal. Traverse to /</a:t>
+            </a:r>
+            <a:r>
+              <a:rPr lang="en-US" dirty="0" err="1" smtClean="0"/>
+              <a:t>etc</a:t>
+            </a:r>
+            <a:r>
+              <a:rPr lang="en-US" dirty="0" smtClean="0"/>
+              <a:t>/</a:t>
+            </a:r>
+            <a:r>
+              <a:rPr lang="en-US" dirty="0" err="1" smtClean="0"/>
+              <a:t>ssl</a:t>
+            </a:r>
+            <a:r>
+              <a:rPr lang="en-US" dirty="0" smtClean="0"/>
+              <a:t> and download the file</a:t>
+            </a:r>
+            <a:endParaRPr lang="en-US" dirty="0" smtClean="0"/>
+          </a:p>
+          <a:p>
+            <a:endParaRPr lang="en-US" dirty="0"/>
+          </a:p>
+        </p:txBody>
+      </p:sp>
+    </p:spTree>
+    <p:extLst>
+      <p:ext uri="{BB962C8B-B14F-4D97-AF65-F5344CB8AC3E}">
+        <p14:creationId xmlns:p14="http://schemas.microsoft.com/office/powerpoint/2010/main" val="2358181503"/>
+      </p:ext>
+    </p:extLst>
+  </p:cSld>
+  <p:clrMapOvr>
+    <a:masterClrMapping/>
+  </p:clrMapOvr>
+</p:sld>
+</file>
+
+<file path=ppt/slides/slide37.xml><?xml version="1.0" encoding="utf-8"?>
+<p:sld xmlns:a="http://schemas.openxmlformats.org/drawingml/2006/main" xmlns:r="http://schemas.openxmlformats.org/officeDocument/2006/relationships" xmlns:p="http://schemas.openxmlformats.org/presentationml/2006/main">
+  <p:cSld>
+    <p:spTree>
+      <p:nvGrpSpPr>
+        <p:cNvPr id="1" name=""/>
+        <p:cNvGrpSpPr/>
+        <p:nvPr/>
+      </p:nvGrpSpPr>
+      <p:grpSpPr>
+        <a:xfrm>
+          <a:off x="0" y="0"/>
+          <a:ext cx="0" cy="0"/>
+          <a:chOff x="0" y="0"/>
+          <a:chExt cx="0" cy="0"/>
+        </a:xfrm>
+      </p:grpSpPr>
+      <p:sp>
+        <p:nvSpPr>
+          <p:cNvPr id="2" name="Title 1"/>
+          <p:cNvSpPr>
+            <a:spLocks noGrp="1"/>
+          </p:cNvSpPr>
+          <p:nvPr>
+            <p:ph type="title"/>
+          </p:nvPr>
+        </p:nvSpPr>
+        <p:spPr/>
+        <p:txBody>
+          <a:bodyPr/>
+          <a:lstStyle/>
+          <a:p>
+            <a:r>
+              <a:rPr lang="en-US" dirty="0"/>
+              <a:t>Grab SSL/TLS private </a:t>
+            </a:r>
+            <a:r>
+              <a:rPr lang="en-US" dirty="0" smtClean="0"/>
+              <a:t>key - Mitigation</a:t>
+            </a:r>
+            <a:endParaRPr lang="en-US" dirty="0"/>
+          </a:p>
+        </p:txBody>
+      </p:sp>
+      <p:sp>
+        <p:nvSpPr>
+          <p:cNvPr id="3" name="Content Placeholder 2"/>
+          <p:cNvSpPr>
+            <a:spLocks noGrp="1"/>
+          </p:cNvSpPr>
+          <p:nvPr>
+            <p:ph idx="1"/>
+          </p:nvPr>
+        </p:nvSpPr>
+        <p:spPr/>
+        <p:txBody>
+          <a:bodyPr>
+            <a:normAutofit/>
+          </a:bodyPr>
+          <a:lstStyle/>
+          <a:p>
+            <a:r>
+              <a:rPr lang="en-US" dirty="0"/>
+              <a:t>Mitigation: Lock your shit down!</a:t>
+            </a:r>
+          </a:p>
+          <a:p>
+            <a:r>
+              <a:rPr lang="en-US" dirty="0"/>
+              <a:t>When someone who has access to private keys (tech-ops) leaves the keys </a:t>
+            </a:r>
+            <a:r>
+              <a:rPr lang="en-US" dirty="0" smtClean="0"/>
+              <a:t>should </a:t>
+            </a:r>
+            <a:r>
+              <a:rPr lang="en-US" dirty="0"/>
+              <a:t>be </a:t>
+            </a:r>
+            <a:r>
+              <a:rPr lang="en-US" dirty="0" smtClean="0"/>
+              <a:t>changed</a:t>
+            </a:r>
+          </a:p>
+          <a:p>
+            <a:endParaRPr lang="en-US" dirty="0"/>
+          </a:p>
+          <a:p>
+            <a:r>
+              <a:rPr lang="en-US" dirty="0" smtClean="0"/>
+              <a:t>Example: </a:t>
+            </a:r>
+            <a:r>
+              <a:rPr lang="en-US" dirty="0"/>
+              <a:t>Test server has FTP directory traversal. </a:t>
+            </a:r>
+            <a:r>
+              <a:rPr lang="en-US" dirty="0" smtClean="0"/>
+              <a:t>Enable </a:t>
+            </a:r>
+            <a:r>
+              <a:rPr lang="en-US" dirty="0" err="1" smtClean="0"/>
+              <a:t>chroot</a:t>
+            </a:r>
+            <a:r>
+              <a:rPr lang="en-US" dirty="0" smtClean="0"/>
+              <a:t> (change root) jail for FTP to prevent directory traversal</a:t>
+            </a:r>
+            <a:endParaRPr lang="en-US" dirty="0"/>
+          </a:p>
+          <a:p>
+            <a:endParaRPr lang="en-US" dirty="0"/>
+          </a:p>
+        </p:txBody>
+      </p:sp>
+    </p:spTree>
+    <p:extLst>
+      <p:ext uri="{BB962C8B-B14F-4D97-AF65-F5344CB8AC3E}">
+        <p14:creationId xmlns:p14="http://schemas.microsoft.com/office/powerpoint/2010/main" val="2879206578"/>
+      </p:ext>
+    </p:extLst>
+  </p:cSld>
+  <p:clrMapOvr>
+    <a:masterClrMapping/>
+  </p:clrMapOvr>
+</p:sld>
+</file>
+
+<file path=ppt/slides/slide38.xml><?xml version="1.0" encoding="utf-8"?>
+<p:sld xmlns:a="http://schemas.openxmlformats.org/drawingml/2006/main" xmlns:r="http://schemas.openxmlformats.org/officeDocument/2006/relationships" xmlns:p="http://schemas.openxmlformats.org/presentationml/2006/main">
+  <p:cSld>
+    <p:spTree>
+      <p:nvGrpSpPr>
+        <p:cNvPr id="1" name=""/>
+        <p:cNvGrpSpPr/>
+        <p:nvPr/>
+      </p:nvGrpSpPr>
+      <p:grpSpPr>
+        <a:xfrm>
+          <a:off x="0" y="0"/>
+          <a:ext cx="0" cy="0"/>
+          <a:chOff x="0" y="0"/>
+          <a:chExt cx="0" cy="0"/>
+        </a:xfrm>
+      </p:grpSpPr>
+      <p:sp>
+        <p:nvSpPr>
+          <p:cNvPr id="2" name="Title 1"/>
+          <p:cNvSpPr>
+            <a:spLocks noGrp="1"/>
+          </p:cNvSpPr>
+          <p:nvPr>
+            <p:ph type="title"/>
+          </p:nvPr>
+        </p:nvSpPr>
+        <p:spPr/>
+        <p:txBody>
+          <a:bodyPr/>
+          <a:lstStyle/>
+          <a:p>
+            <a:r>
+              <a:rPr lang="en-US" dirty="0" smtClean="0"/>
+              <a:t>Root access</a:t>
+            </a:r>
+            <a:endParaRPr lang="en-US" dirty="0"/>
+          </a:p>
+        </p:txBody>
+      </p:sp>
+      <p:sp>
+        <p:nvSpPr>
+          <p:cNvPr id="3" name="Content Placeholder 2"/>
+          <p:cNvSpPr>
+            <a:spLocks noGrp="1"/>
+          </p:cNvSpPr>
+          <p:nvPr>
+            <p:ph idx="1"/>
+          </p:nvPr>
+        </p:nvSpPr>
+        <p:spPr/>
+        <p:txBody>
+          <a:bodyPr>
+            <a:normAutofit lnSpcReduction="10000"/>
+          </a:bodyPr>
+          <a:lstStyle/>
+          <a:p>
+            <a:r>
+              <a:rPr lang="en-US" dirty="0" smtClean="0"/>
+              <a:t>Attacker can do anything on the server!</a:t>
+            </a:r>
+          </a:p>
+          <a:p>
+            <a:r>
+              <a:rPr lang="en-US" dirty="0" smtClean="0"/>
+              <a:t>Steal customer records</a:t>
+            </a:r>
+            <a:endParaRPr lang="en-US" dirty="0" smtClean="0"/>
+          </a:p>
+          <a:p>
+            <a:r>
+              <a:rPr lang="en-US" dirty="0" smtClean="0"/>
+              <a:t>Use the server in botnet</a:t>
+            </a:r>
+          </a:p>
+          <a:p>
+            <a:r>
+              <a:rPr lang="en-US" dirty="0" smtClean="0"/>
+              <a:t>Use the server as backdoor into network</a:t>
+            </a:r>
+          </a:p>
+          <a:p>
+            <a:r>
+              <a:rPr lang="en-US" dirty="0" smtClean="0"/>
+              <a:t>Pivot from server to gain further access</a:t>
+            </a:r>
+            <a:endParaRPr lang="en-US" dirty="0" smtClean="0"/>
+          </a:p>
+          <a:p>
+            <a:endParaRPr lang="en-US" dirty="0" smtClean="0"/>
+          </a:p>
+          <a:p>
+            <a:r>
+              <a:rPr lang="en-US" dirty="0" smtClean="0"/>
+              <a:t>Example: Test server has </a:t>
+            </a:r>
+            <a:r>
+              <a:rPr lang="en-US" dirty="0" err="1" smtClean="0"/>
+              <a:t>vsftpd</a:t>
+            </a:r>
+            <a:r>
+              <a:rPr lang="en-US" dirty="0" smtClean="0"/>
+              <a:t> 2.3.4 vulnerability. Exploit with </a:t>
+            </a:r>
+            <a:r>
+              <a:rPr lang="en-US" dirty="0" err="1" smtClean="0"/>
+              <a:t>metasploit</a:t>
+            </a:r>
+            <a:r>
+              <a:rPr lang="en-US" dirty="0" smtClean="0"/>
+              <a:t> or manually</a:t>
+            </a:r>
+          </a:p>
+          <a:p>
+            <a:r>
+              <a:rPr lang="en-US" dirty="0" smtClean="0"/>
+              <a:t>Mitigation: Keep servers patched</a:t>
+            </a:r>
+            <a:endParaRPr lang="en-US" dirty="0"/>
+          </a:p>
+        </p:txBody>
+      </p:sp>
+    </p:spTree>
+    <p:extLst>
+      <p:ext uri="{BB962C8B-B14F-4D97-AF65-F5344CB8AC3E}">
+        <p14:creationId xmlns:p14="http://schemas.microsoft.com/office/powerpoint/2010/main" val="354062062"/>
       </p:ext>
     </p:extLst>
   </p:cSld>
@@ -5694,7 +7279,7 @@
           <a:p>
             <a:r>
               <a:rPr lang="en-US" dirty="0" smtClean="0"/>
-              <a:t>Passive Reconnaissance</a:t>
+              <a:t>Phases</a:t>
             </a:r>
             <a:endParaRPr lang="en-US" dirty="0"/>
           </a:p>
@@ -5710,57 +7295,107 @@
             <p:ph idx="1"/>
           </p:nvPr>
         </p:nvSpPr>
-        <p:spPr/>
-        <p:txBody>
-          <a:bodyPr/>
-          <a:lstStyle/>
-          <a:p>
-            <a:r>
-              <a:rPr lang="en-US" dirty="0" smtClean="0"/>
-              <a:t>Don’t interact with target</a:t>
-            </a:r>
-          </a:p>
-          <a:p>
-            <a:pPr lvl="1"/>
-            <a:r>
-              <a:rPr lang="en-US" dirty="0" smtClean="0"/>
-              <a:t>Public information and News </a:t>
-            </a:r>
-          </a:p>
-          <a:p>
-            <a:pPr lvl="1"/>
-            <a:r>
-              <a:rPr lang="en-US" dirty="0" smtClean="0"/>
-              <a:t>Social networks (LinkedIn, Facebook)</a:t>
-            </a:r>
-          </a:p>
-          <a:p>
-            <a:pPr lvl="1"/>
-            <a:r>
-              <a:rPr lang="en-US" dirty="0" smtClean="0"/>
-              <a:t>Job postings</a:t>
-            </a:r>
-          </a:p>
-          <a:p>
-            <a:pPr lvl="1"/>
-            <a:r>
-              <a:rPr lang="en-US" dirty="0" err="1" smtClean="0"/>
-              <a:t>Whois</a:t>
-            </a:r>
-            <a:r>
-              <a:rPr lang="en-US" dirty="0"/>
-              <a:t> </a:t>
-            </a:r>
-            <a:r>
-              <a:rPr lang="en-US" dirty="0" smtClean="0"/>
-              <a:t>records</a:t>
-            </a:r>
-          </a:p>
-          <a:p>
-            <a:pPr lvl="1"/>
-            <a:r>
-              <a:rPr lang="en-US" dirty="0" smtClean="0"/>
-              <a:t>Google Hacking Database</a:t>
+        <p:spPr>
+          <a:xfrm>
+            <a:off x="838200" y="1825625"/>
+            <a:ext cx="10515600" cy="2666164"/>
+          </a:xfrm>
+        </p:spPr>
+        <p:txBody>
+          <a:bodyPr/>
+          <a:lstStyle/>
+          <a:p>
+            <a:pPr marL="514350" indent="-514350">
+              <a:buAutoNum type="arabicPeriod"/>
+            </a:pPr>
+            <a:r>
+              <a:rPr lang="en-US" dirty="0" smtClean="0"/>
+              <a:t>Reconnaissance</a:t>
+            </a:r>
+          </a:p>
+          <a:p>
+            <a:pPr marL="514350" indent="-514350">
+              <a:buAutoNum type="arabicPeriod"/>
+            </a:pPr>
+            <a:r>
+              <a:rPr lang="en-US" dirty="0" smtClean="0"/>
+              <a:t>Scanning / Enumeration</a:t>
+            </a:r>
+          </a:p>
+          <a:p>
+            <a:pPr marL="514350" indent="-514350">
+              <a:buAutoNum type="arabicPeriod"/>
+            </a:pPr>
+            <a:r>
+              <a:rPr lang="en-US" dirty="0" smtClean="0"/>
+              <a:t>Gaining access</a:t>
+            </a:r>
+          </a:p>
+          <a:p>
+            <a:pPr marL="514350" indent="-514350">
+              <a:buAutoNum type="arabicPeriod"/>
+            </a:pPr>
+            <a:r>
+              <a:rPr lang="en-US" dirty="0" smtClean="0"/>
+              <a:t>Maintaining access</a:t>
+            </a:r>
+          </a:p>
+          <a:p>
+            <a:pPr marL="514350" indent="-514350">
+              <a:buAutoNum type="arabicPeriod"/>
+            </a:pPr>
+            <a:r>
+              <a:rPr lang="en-US" dirty="0" smtClean="0"/>
+              <a:t>Clearing tracks</a:t>
+            </a:r>
+            <a:endParaRPr lang="en-US" dirty="0"/>
+          </a:p>
+        </p:txBody>
+      </p:sp>
+      <p:sp>
+        <p:nvSpPr>
+          <p:cNvPr id="5" name="Title 1"/>
+          <p:cNvSpPr txBox="1">
+            <a:spLocks/>
+          </p:cNvSpPr>
+          <p:nvPr/>
+        </p:nvSpPr>
+        <p:spPr>
+          <a:xfrm>
+            <a:off x="838200" y="5105567"/>
+            <a:ext cx="10515600" cy="1325563"/>
+          </a:xfrm>
+          <a:prstGeom prst="rect">
+            <a:avLst/>
+          </a:prstGeom>
+        </p:spPr>
+        <p:txBody>
+          <a:bodyPr vert="horz" lIns="91440" tIns="45720" rIns="91440" bIns="45720" rtlCol="0" anchor="ctr">
+            <a:normAutofit/>
+          </a:bodyPr>
+          <a:lstStyle>
+            <a:lvl1pPr algn="l" defTabSz="914400" rtl="0" eaLnBrk="1" latinLnBrk="0" hangingPunct="1">
+              <a:lnSpc>
+                <a:spcPct val="90000"/>
+              </a:lnSpc>
+              <a:spcBef>
+                <a:spcPct val="0"/>
+              </a:spcBef>
+              <a:buNone/>
+              <a:defRPr sz="4400" kern="1200">
+                <a:solidFill>
+                  <a:schemeClr val="tx1"/>
+                </a:solidFill>
+                <a:latin typeface="+mj-lt"/>
+                <a:ea typeface="+mj-ea"/>
+                <a:cs typeface="+mj-cs"/>
+              </a:defRPr>
+            </a:lvl1pPr>
+          </a:lstStyle>
+          <a:p>
+            <a:r>
+              <a:rPr lang="en-US" dirty="0" smtClean="0"/>
+              <a:t>Document everything!</a:t>
             </a:r>
             <a:endParaRPr lang="en-US" dirty="0"/>
           </a:p>
@@ -5769,7 +7404,7 @@
     </p:spTree>
     <p:extLst>
       <p:ext uri="{BB962C8B-B14F-4D97-AF65-F5344CB8AC3E}">
-        <p14:creationId xmlns:p14="http://schemas.microsoft.com/office/powerpoint/2010/main" val="1349533297"/>
+        <p14:creationId xmlns:p14="http://schemas.microsoft.com/office/powerpoint/2010/main" val="296142828"/>
       </p:ext>
     </p:extLst>
   </p:cSld>
@@ -5813,7 +7448,7 @@
           <a:p>
             <a:r>
               <a:rPr lang="en-US" dirty="0" smtClean="0"/>
-              <a:t>Active Reconnaissance</a:t>
+              <a:t>Passive Reconnaissance</a:t>
             </a:r>
             <a:endParaRPr lang="en-US" dirty="0"/>
           </a:p>
@@ -5836,66 +7471,59 @@
           <a:p>
             <a:r>
               <a:rPr lang="en-US" dirty="0" smtClean="0"/>
-              <a:t>Interact with target</a:t>
+              <a:t>Don’t interact with target</a:t>
+            </a:r>
+          </a:p>
+          <a:p>
+            <a:pPr lvl="1"/>
+            <a:r>
+              <a:rPr lang="en-US" dirty="0" smtClean="0"/>
+              <a:t>Public information and News </a:t>
+            </a:r>
+          </a:p>
+          <a:p>
+            <a:pPr lvl="1"/>
+            <a:r>
+              <a:rPr lang="en-US" dirty="0" smtClean="0"/>
+              <a:t>Social networks (LinkedIn, Facebook)</a:t>
+            </a:r>
+          </a:p>
+          <a:p>
+            <a:pPr lvl="1"/>
+            <a:r>
+              <a:rPr lang="en-US" dirty="0" smtClean="0"/>
+              <a:t>Job postings</a:t>
+            </a:r>
+          </a:p>
+          <a:p>
+            <a:pPr lvl="1"/>
+            <a:r>
+              <a:rPr lang="en-US" dirty="0" err="1" smtClean="0"/>
+              <a:t>Whois</a:t>
+            </a:r>
+            <a:r>
+              <a:rPr lang="en-US" dirty="0"/>
+              <a:t> </a:t>
+            </a:r>
+            <a:r>
+              <a:rPr lang="en-US" dirty="0" smtClean="0"/>
+              <a:t>records</a:t>
+            </a:r>
+          </a:p>
+          <a:p>
+            <a:pPr lvl="1"/>
+            <a:r>
+              <a:rPr lang="en-US" dirty="0" smtClean="0"/>
+              <a:t>Google Hacking Database</a:t>
             </a:r>
             <a:endParaRPr lang="en-US" dirty="0"/>
-          </a:p>
-          <a:p>
-            <a:pPr lvl="1"/>
-            <a:r>
-              <a:rPr lang="en-US" dirty="0" smtClean="0"/>
-              <a:t>Social engineering (call </a:t>
-            </a:r>
-            <a:r>
-              <a:rPr lang="en-US" dirty="0"/>
-              <a:t>reception</a:t>
-            </a:r>
-            <a:r>
-              <a:rPr lang="en-US" dirty="0" smtClean="0"/>
-              <a:t>, contact employees)</a:t>
-            </a:r>
-          </a:p>
-          <a:p>
-            <a:pPr lvl="1"/>
-            <a:r>
-              <a:rPr lang="en-US" dirty="0" smtClean="0"/>
-              <a:t>Visit company sites</a:t>
-            </a:r>
-          </a:p>
-          <a:p>
-            <a:pPr lvl="1"/>
-            <a:r>
-              <a:rPr lang="en-US" dirty="0" smtClean="0"/>
-              <a:t>Determine network range</a:t>
-            </a:r>
-            <a:endParaRPr lang="en-US" dirty="0"/>
-          </a:p>
-          <a:p>
-            <a:pPr lvl="1"/>
-            <a:r>
-              <a:rPr lang="en-US" dirty="0" smtClean="0"/>
-              <a:t>Identify hosts</a:t>
-            </a:r>
-          </a:p>
-          <a:p>
-            <a:pPr lvl="1"/>
-            <a:r>
-              <a:rPr lang="en-US" dirty="0" smtClean="0"/>
-              <a:t>Find open ports</a:t>
-            </a:r>
-          </a:p>
-          <a:p>
-            <a:pPr marL="457200" lvl="1" indent="0">
-              <a:buNone/>
-            </a:pPr>
-            <a:endParaRPr lang="en-US" dirty="0" smtClean="0"/>
           </a:p>
         </p:txBody>
       </p:sp>
     </p:spTree>
     <p:extLst>
       <p:ext uri="{BB962C8B-B14F-4D97-AF65-F5344CB8AC3E}">
-        <p14:creationId xmlns:p14="http://schemas.microsoft.com/office/powerpoint/2010/main" val="3656029119"/>
+        <p14:creationId xmlns:p14="http://schemas.microsoft.com/office/powerpoint/2010/main" val="1349533297"/>
       </p:ext>
     </p:extLst>
   </p:cSld>
@@ -5939,7 +7567,7 @@
           <a:p>
             <a:r>
               <a:rPr lang="en-US" dirty="0" smtClean="0"/>
-              <a:t>Scanning / Enumeration</a:t>
+              <a:t>Active Reconnaissance</a:t>
             </a:r>
             <a:endParaRPr lang="en-US" dirty="0"/>
           </a:p>
@@ -5962,52 +7590,66 @@
           <a:p>
             <a:r>
               <a:rPr lang="en-US" dirty="0" smtClean="0"/>
-              <a:t>Scan network</a:t>
-            </a:r>
-          </a:p>
-          <a:p>
-            <a:r>
-              <a:rPr lang="en-US" dirty="0" smtClean="0"/>
-              <a:t>Identify hosts / OS</a:t>
-            </a:r>
-          </a:p>
-          <a:p>
-            <a:r>
-              <a:rPr lang="en-US" dirty="0" smtClean="0"/>
-              <a:t>Identify open ports</a:t>
-            </a:r>
-          </a:p>
-          <a:p>
-            <a:r>
-              <a:rPr lang="en-US" dirty="0" smtClean="0"/>
-              <a:t>Identify services</a:t>
-            </a:r>
-          </a:p>
-          <a:p>
-            <a:r>
-              <a:rPr lang="en-US" dirty="0" smtClean="0"/>
-              <a:t>Map network</a:t>
-            </a:r>
-          </a:p>
-          <a:p>
-            <a:r>
-              <a:rPr lang="en-US" dirty="0" smtClean="0"/>
-              <a:t>Scan for vulnerabilities</a:t>
-            </a:r>
-          </a:p>
-          <a:p>
-            <a:r>
-              <a:rPr lang="en-US" dirty="0" smtClean="0"/>
-              <a:t>Identify users and groups</a:t>
+              <a:t>Interact with target</a:t>
             </a:r>
             <a:endParaRPr lang="en-US" dirty="0"/>
+          </a:p>
+          <a:p>
+            <a:pPr lvl="1"/>
+            <a:r>
+              <a:rPr lang="en-US" dirty="0" smtClean="0"/>
+              <a:t>Social engineering (call </a:t>
+            </a:r>
+            <a:r>
+              <a:rPr lang="en-US" dirty="0"/>
+              <a:t>reception</a:t>
+            </a:r>
+            <a:r>
+              <a:rPr lang="en-US" dirty="0" smtClean="0"/>
+              <a:t>, contact employees)</a:t>
+            </a:r>
+          </a:p>
+          <a:p>
+            <a:pPr lvl="1"/>
+            <a:r>
+              <a:rPr lang="en-US" dirty="0" smtClean="0"/>
+              <a:t>Visit company sites</a:t>
+            </a:r>
+          </a:p>
+          <a:p>
+            <a:pPr lvl="1"/>
+            <a:r>
+              <a:rPr lang="en-US" dirty="0" smtClean="0"/>
+              <a:t>Determine network range</a:t>
+            </a:r>
+            <a:endParaRPr lang="en-US" dirty="0"/>
+          </a:p>
+          <a:p>
+            <a:pPr lvl="1"/>
+            <a:r>
+              <a:rPr lang="en-US" dirty="0" smtClean="0"/>
+              <a:t>Identify hosts</a:t>
+            </a:r>
+          </a:p>
+          <a:p>
+            <a:pPr lvl="1"/>
+            <a:r>
+              <a:rPr lang="en-US" dirty="0" smtClean="0"/>
+              <a:t>Find open ports</a:t>
+            </a:r>
+          </a:p>
+          <a:p>
+            <a:pPr marL="457200" lvl="1" indent="0">
+              <a:buNone/>
+            </a:pPr>
+            <a:endParaRPr lang="en-US" dirty="0" smtClean="0"/>
           </a:p>
         </p:txBody>
       </p:sp>
     </p:spTree>
     <p:extLst>
       <p:ext uri="{BB962C8B-B14F-4D97-AF65-F5344CB8AC3E}">
-        <p14:creationId xmlns:p14="http://schemas.microsoft.com/office/powerpoint/2010/main" val="1857685238"/>
+        <p14:creationId xmlns:p14="http://schemas.microsoft.com/office/powerpoint/2010/main" val="3656029119"/>
       </p:ext>
     </p:extLst>
   </p:cSld>
@@ -6051,7 +7693,7 @@
           <a:p>
             <a:r>
               <a:rPr lang="en-US" dirty="0" smtClean="0"/>
-              <a:t>Scanning / Enumeration tools</a:t>
+              <a:t>Scanning / Enumeration</a:t>
             </a:r>
             <a:endParaRPr lang="en-US" dirty="0"/>
           </a:p>
@@ -6069,82 +7711,57 @@
         </p:nvSpPr>
         <p:spPr/>
         <p:txBody>
-          <a:bodyPr>
-            <a:normAutofit fontScale="92500" lnSpcReduction="20000"/>
-          </a:bodyPr>
-          <a:lstStyle/>
-          <a:p>
-            <a:r>
-              <a:rPr lang="en-US" dirty="0" err="1" smtClean="0"/>
-              <a:t>Nmap</a:t>
-            </a:r>
-            <a:endParaRPr lang="en-US" dirty="0" smtClean="0"/>
-          </a:p>
-          <a:p>
-            <a:r>
-              <a:rPr lang="en-US" dirty="0" smtClean="0"/>
-              <a:t>Hping3</a:t>
-            </a:r>
-          </a:p>
-          <a:p>
-            <a:r>
-              <a:rPr lang="en-US" dirty="0" err="1" smtClean="0"/>
-              <a:t>Netcraft</a:t>
-            </a:r>
-            <a:endParaRPr lang="en-US" dirty="0" smtClean="0"/>
-          </a:p>
-          <a:p>
-            <a:r>
-              <a:rPr lang="en-US" dirty="0" err="1" smtClean="0"/>
-              <a:t>Shodan</a:t>
-            </a:r>
-            <a:endParaRPr lang="en-US" dirty="0" smtClean="0"/>
-          </a:p>
-          <a:p>
-            <a:r>
-              <a:rPr lang="en-US" dirty="0" smtClean="0"/>
-              <a:t>Nessus</a:t>
+          <a:bodyPr/>
+          <a:lstStyle/>
+          <a:p>
+            <a:r>
+              <a:rPr lang="en-US" dirty="0" smtClean="0"/>
+              <a:t>Scan network</a:t>
+            </a:r>
+          </a:p>
+          <a:p>
+            <a:r>
+              <a:rPr lang="en-US" dirty="0" smtClean="0"/>
+              <a:t>Identify hosts / OS</a:t>
+            </a:r>
+          </a:p>
+          <a:p>
+            <a:r>
+              <a:rPr lang="en-US" dirty="0" smtClean="0"/>
+              <a:t>Identify open ports</a:t>
+            </a:r>
+          </a:p>
+          <a:p>
+            <a:r>
+              <a:rPr lang="en-US" dirty="0" smtClean="0"/>
+              <a:t>Identify services</a:t>
+            </a:r>
+          </a:p>
+          <a:p>
+            <a:r>
+              <a:rPr lang="en-US" dirty="0" smtClean="0"/>
+              <a:t>Map network</a:t>
+            </a:r>
+          </a:p>
+          <a:p>
+            <a:r>
+              <a:rPr lang="en-US" dirty="0" smtClean="0"/>
+              <a:t>Scan for vulnerabilities</a:t>
+            </a:r>
+          </a:p>
+          <a:p>
+            <a:r>
+              <a:rPr lang="en-US" dirty="0" smtClean="0"/>
+              <a:t>Identify users and groups</a:t>
             </a:r>
             <a:endParaRPr lang="en-US" dirty="0"/>
-          </a:p>
-          <a:p>
-            <a:r>
-              <a:rPr lang="en-US" dirty="0" err="1" smtClean="0"/>
-              <a:t>Acunetix</a:t>
-            </a:r>
-            <a:endParaRPr lang="en-US" dirty="0" smtClean="0"/>
-          </a:p>
-          <a:p>
-            <a:r>
-              <a:rPr lang="en-US" dirty="0" err="1" smtClean="0"/>
-              <a:t>Arachni</a:t>
-            </a:r>
-            <a:endParaRPr lang="en-US" dirty="0" smtClean="0"/>
-          </a:p>
-          <a:p>
-            <a:r>
-              <a:rPr lang="en-US" dirty="0" smtClean="0"/>
-              <a:t>NetBIOS Enumerator</a:t>
-            </a:r>
-          </a:p>
-          <a:p>
-            <a:r>
-              <a:rPr lang="en-US" dirty="0" smtClean="0"/>
-              <a:t>SNMP Scanner</a:t>
-            </a:r>
-          </a:p>
-          <a:p>
-            <a:r>
-              <a:rPr lang="en-US" dirty="0" smtClean="0"/>
-              <a:t>LDAP search</a:t>
-            </a:r>
           </a:p>
         </p:txBody>
       </p:sp>
     </p:spTree>
     <p:extLst>
       <p:ext uri="{BB962C8B-B14F-4D97-AF65-F5344CB8AC3E}">
-        <p14:creationId xmlns:p14="http://schemas.microsoft.com/office/powerpoint/2010/main" val="2093031091"/>
+        <p14:creationId xmlns:p14="http://schemas.microsoft.com/office/powerpoint/2010/main" val="1857685238"/>
       </p:ext>
     </p:extLst>
   </p:cSld>
@@ -6188,7 +7805,7 @@
           <a:p>
             <a:r>
               <a:rPr lang="en-US" dirty="0" smtClean="0"/>
-              <a:t>Gain access</a:t>
+              <a:t>Scanning / Enumeration tools</a:t>
             </a:r>
             <a:endParaRPr lang="en-US" dirty="0"/>
           </a:p>
@@ -6206,54 +7823,74 @@
         </p:nvSpPr>
         <p:spPr/>
         <p:txBody>
-          <a:bodyPr/>
-          <a:lstStyle/>
-          <a:p>
-            <a:r>
-              <a:rPr lang="en-US" dirty="0" smtClean="0"/>
-              <a:t>Gain access to machine, application, network</a:t>
-            </a:r>
-          </a:p>
-          <a:p>
-            <a:r>
-              <a:rPr lang="en-US" dirty="0" smtClean="0"/>
-              <a:t>Specific exploit</a:t>
-            </a:r>
-          </a:p>
-          <a:p>
-            <a:r>
-              <a:rPr lang="en-US" dirty="0" smtClean="0"/>
-              <a:t>Default credentials</a:t>
-            </a:r>
-          </a:p>
-          <a:p>
-            <a:r>
-              <a:rPr lang="en-US" dirty="0" smtClean="0"/>
-              <a:t>Buffer overflow</a:t>
-            </a:r>
-          </a:p>
-          <a:p>
-            <a:r>
-              <a:rPr lang="en-US" dirty="0" smtClean="0"/>
-              <a:t>Session hijacking</a:t>
-            </a:r>
-          </a:p>
-          <a:p>
-            <a:r>
-              <a:rPr lang="en-US" dirty="0" smtClean="0"/>
-              <a:t>Social engineering</a:t>
-            </a:r>
-          </a:p>
-          <a:p>
-            <a:r>
-              <a:rPr lang="en-US" dirty="0" smtClean="0"/>
-              <a:t>Password cracking</a:t>
-            </a:r>
-          </a:p>
-          <a:p>
-            <a:r>
-              <a:rPr lang="en-US" dirty="0" smtClean="0"/>
-              <a:t>Privilege escalation (horizontal or vertical)</a:t>
+          <a:bodyPr>
+            <a:normAutofit fontScale="92500" lnSpcReduction="20000"/>
+          </a:bodyPr>
+          <a:lstStyle/>
+          <a:p>
+            <a:r>
+              <a:rPr lang="en-US" dirty="0" err="1" smtClean="0"/>
+              <a:t>Nmap</a:t>
+            </a:r>
+            <a:endParaRPr lang="en-US" dirty="0" smtClean="0"/>
+          </a:p>
+          <a:p>
+            <a:r>
+              <a:rPr lang="en-US" dirty="0" smtClean="0"/>
+              <a:t>Hping3</a:t>
+            </a:r>
+          </a:p>
+          <a:p>
+            <a:r>
+              <a:rPr lang="en-US" dirty="0" err="1" smtClean="0"/>
+              <a:t>Netcraft</a:t>
+            </a:r>
+            <a:endParaRPr lang="en-US" dirty="0" smtClean="0"/>
+          </a:p>
+          <a:p>
+            <a:r>
+              <a:rPr lang="en-US" dirty="0" err="1" smtClean="0"/>
+              <a:t>Shodan</a:t>
+            </a:r>
+            <a:endParaRPr lang="en-US" dirty="0" smtClean="0"/>
+          </a:p>
+          <a:p>
+            <a:r>
+              <a:rPr lang="en-US" dirty="0" smtClean="0"/>
+              <a:t>Nessus</a:t>
+            </a:r>
+            <a:endParaRPr lang="en-US" dirty="0"/>
+          </a:p>
+          <a:p>
+            <a:r>
+              <a:rPr lang="en-US" dirty="0" err="1" smtClean="0"/>
+              <a:t>Acunetix</a:t>
+            </a:r>
+            <a:endParaRPr lang="en-US" dirty="0" smtClean="0"/>
+          </a:p>
+          <a:p>
+            <a:r>
+              <a:rPr lang="en-US" dirty="0" err="1" smtClean="0"/>
+              <a:t>Arachni</a:t>
+            </a:r>
+            <a:endParaRPr lang="en-US" dirty="0" smtClean="0"/>
+          </a:p>
+          <a:p>
+            <a:r>
+              <a:rPr lang="en-US" dirty="0" smtClean="0"/>
+              <a:t>NetBIOS Enumerator</a:t>
+            </a:r>
+          </a:p>
+          <a:p>
+            <a:r>
+              <a:rPr lang="en-US" dirty="0" smtClean="0"/>
+              <a:t>SNMP Scanner</a:t>
+            </a:r>
+          </a:p>
+          <a:p>
+            <a:r>
+              <a:rPr lang="en-US" dirty="0" smtClean="0"/>
+              <a:t>LDAP search</a:t>
             </a:r>
           </a:p>
         </p:txBody>
@@ -6261,7 +7898,7 @@
     </p:spTree>
     <p:extLst>
       <p:ext uri="{BB962C8B-B14F-4D97-AF65-F5344CB8AC3E}">
-        <p14:creationId xmlns:p14="http://schemas.microsoft.com/office/powerpoint/2010/main" val="3070483689"/>
+        <p14:creationId xmlns:p14="http://schemas.microsoft.com/office/powerpoint/2010/main" val="2093031091"/>
       </p:ext>
     </p:extLst>
   </p:cSld>
@@ -6305,7 +7942,7 @@
           <a:p>
             <a:r>
               <a:rPr lang="en-US" dirty="0" smtClean="0"/>
-              <a:t>Maintain access</a:t>
+              <a:t>Gain access</a:t>
             </a:r>
             <a:endParaRPr lang="en-US" dirty="0"/>
           </a:p>
@@ -6328,31 +7965,53 @@
           <a:p>
             <a:r>
               <a:rPr lang="en-US" dirty="0" smtClean="0"/>
-              <a:t>Patch the vulnerability to maintain control</a:t>
-            </a:r>
-          </a:p>
-          <a:p>
-            <a:r>
-              <a:rPr lang="en-US" dirty="0" smtClean="0"/>
-              <a:t>Change credentials</a:t>
-            </a:r>
-          </a:p>
-          <a:p>
-            <a:r>
-              <a:rPr lang="en-US" dirty="0" smtClean="0"/>
-              <a:t>Change configurations</a:t>
-            </a:r>
-          </a:p>
-          <a:p>
-            <a:r>
-              <a:rPr lang="en-US" dirty="0" smtClean="0"/>
-              <a:t>Insert a backdoor</a:t>
-            </a:r>
-          </a:p>
-          <a:p>
-            <a:r>
-              <a:rPr lang="en-US" dirty="0" smtClean="0"/>
-              <a:t>Use compromised system to launch further attacks</a:t>
+              <a:t>Gain access to machine, application, network</a:t>
+            </a:r>
+          </a:p>
+          <a:p>
+            <a:r>
+              <a:rPr lang="en-US" dirty="0" smtClean="0"/>
+              <a:t>Use specific </a:t>
+            </a:r>
+            <a:r>
+              <a:rPr lang="en-US" dirty="0" smtClean="0"/>
+              <a:t>exploit</a:t>
+            </a:r>
+          </a:p>
+          <a:p>
+            <a:r>
+              <a:rPr lang="en-US" dirty="0" smtClean="0"/>
+              <a:t>Default credentials</a:t>
+            </a:r>
+          </a:p>
+          <a:p>
+            <a:r>
+              <a:rPr lang="en-US" dirty="0" smtClean="0"/>
+              <a:t>Buffer overflow</a:t>
+            </a:r>
+          </a:p>
+          <a:p>
+            <a:r>
+              <a:rPr lang="en-US" dirty="0" smtClean="0"/>
+              <a:t>Session hijacking</a:t>
+            </a:r>
+          </a:p>
+          <a:p>
+            <a:r>
+              <a:rPr lang="en-US" dirty="0" smtClean="0"/>
+              <a:t>Social engineering</a:t>
+            </a:r>
+          </a:p>
+          <a:p>
+            <a:r>
+              <a:rPr lang="en-US" dirty="0" smtClean="0"/>
+              <a:t>Password cracking</a:t>
+            </a:r>
+          </a:p>
+          <a:p>
+            <a:r>
+              <a:rPr lang="en-US" dirty="0" smtClean="0"/>
+              <a:t>Privilege escalation (horizontal or vertical)</a:t>
             </a:r>
           </a:p>
         </p:txBody>
@@ -6360,7 +8019,7 @@
     </p:spTree>
     <p:extLst>
       <p:ext uri="{BB962C8B-B14F-4D97-AF65-F5344CB8AC3E}">
-        <p14:creationId xmlns:p14="http://schemas.microsoft.com/office/powerpoint/2010/main" val="4017771258"/>
+        <p14:creationId xmlns:p14="http://schemas.microsoft.com/office/powerpoint/2010/main" val="3070483689"/>
       </p:ext>
     </p:extLst>
   </p:cSld>

--- a/documents/Ethical_Hacking_101.pptx
+++ b/documents/Ethical_Hacking_101.pptx
@@ -43,6 +43,8 @@
     <p:sldId id="291" r:id="rId37"/>
     <p:sldId id="292" r:id="rId38"/>
     <p:sldId id="293" r:id="rId39"/>
+    <p:sldId id="294" r:id="rId40"/>
+    <p:sldId id="295" r:id="rId41"/>
   </p:sldIdLst>
   <p:sldSz cx="12192000" cy="6858000"/>
   <p:notesSz cx="6858000" cy="9144000"/>
@@ -3151,11 +3153,7 @@
           <a:p>
             <a:r>
               <a:rPr lang="en-US" dirty="0" smtClean="0"/>
-              <a:t>Pivot from </a:t>
-            </a:r>
-            <a:r>
-              <a:rPr lang="en-US" dirty="0" smtClean="0"/>
-              <a:t>compromised system to launch further attacks</a:t>
+              <a:t>Pivot from compromised system to launch further attacks</a:t>
             </a:r>
           </a:p>
         </p:txBody>
@@ -4801,13 +4799,8 @@
           <a:p>
             <a:r>
               <a:rPr lang="en-US" dirty="0" smtClean="0"/>
-              <a:t>Attackers can read cookies, steal session, log user </a:t>
-            </a:r>
-            <a:r>
-              <a:rPr lang="en-US" dirty="0" smtClean="0"/>
-              <a:t>activity</a:t>
-            </a:r>
-            <a:endParaRPr lang="en-US" dirty="0" smtClean="0"/>
+              <a:t>Attackers can read cookies, steal session, log user activity</a:t>
+            </a:r>
           </a:p>
           <a:p>
             <a:r>
@@ -4931,15 +4924,7 @@
           <a:p>
             <a:r>
               <a:rPr lang="en-US" dirty="0" smtClean="0"/>
-              <a:t>Don’t echo client originated data to the page </a:t>
-            </a:r>
-            <a:r>
-              <a:rPr lang="en-US" dirty="0" smtClean="0"/>
-              <a:t>(ex. 404 </a:t>
-            </a:r>
-            <a:r>
-              <a:rPr lang="en-US" dirty="0" smtClean="0"/>
-              <a:t>page)</a:t>
+              <a:t>Don’t echo client originated data to the page (ex. 404 page)</a:t>
             </a:r>
           </a:p>
           <a:p>
@@ -6403,11 +6388,7 @@
           <a:p>
             <a:r>
               <a:rPr lang="en-US" dirty="0" smtClean="0"/>
-              <a:t>Passwords are stored as hashes, you need to crack the has</a:t>
-            </a:r>
-            <a:r>
-              <a:rPr lang="en-US" dirty="0" smtClean="0"/>
-              <a:t>h</a:t>
+              <a:t>Passwords are stored as hashes, you need to crack the hash</a:t>
             </a:r>
           </a:p>
           <a:p>
@@ -6462,11 +6443,7 @@
             <a:pPr lvl="1"/>
             <a:r>
               <a:rPr lang="en-US" dirty="0" smtClean="0"/>
-              <a:t> </a:t>
-            </a:r>
-            <a:r>
-              <a:rPr lang="en-US" dirty="0" smtClean="0"/>
-              <a:t>“a-zA-Z0-9” = 52</a:t>
+              <a:t> “a-zA-Z0-9” = 52</a:t>
             </a:r>
           </a:p>
           <a:p>
@@ -6560,8 +6537,9 @@
           <a:p>
             <a:r>
               <a:rPr lang="en-US" dirty="0" smtClean="0"/>
-              <a:t>THC Hydra</a:t>
-            </a:r>
+              <a:t>Hydra</a:t>
+            </a:r>
+            <a:endParaRPr lang="en-US" dirty="0" smtClean="0"/>
           </a:p>
           <a:p>
             <a:r>
@@ -6688,7 +6666,6 @@
               <a:rPr lang="en-US" dirty="0" smtClean="0"/>
               <a:t>Don’t “encrypt” passwords (encryption = 2 way, hash = 1 way)</a:t>
             </a:r>
-            <a:endParaRPr lang="en-US" dirty="0" smtClean="0"/>
           </a:p>
           <a:p>
             <a:r>
@@ -6962,7 +6939,6 @@
               <a:rPr lang="en-US" dirty="0" smtClean="0"/>
               <a:t> and download the file</a:t>
             </a:r>
-            <a:endParaRPr lang="en-US" dirty="0" smtClean="0"/>
           </a:p>
           <a:p>
             <a:endParaRPr lang="en-US" dirty="0"/>
@@ -7177,7 +7153,6 @@
               <a:rPr lang="en-US" dirty="0" smtClean="0"/>
               <a:t>Steal customer records</a:t>
             </a:r>
-            <a:endParaRPr lang="en-US" dirty="0" smtClean="0"/>
           </a:p>
           <a:p>
             <a:r>
@@ -7196,7 +7171,6 @@
               <a:rPr lang="en-US" dirty="0" smtClean="0"/>
               <a:t>Pivot from server to gain further access</a:t>
             </a:r>
-            <a:endParaRPr lang="en-US" dirty="0" smtClean="0"/>
           </a:p>
           <a:p>
             <a:endParaRPr lang="en-US" dirty="0" smtClean="0"/>
@@ -7236,6 +7210,235 @@
     <p:extLst>
       <p:ext uri="{BB962C8B-B14F-4D97-AF65-F5344CB8AC3E}">
         <p14:creationId xmlns:p14="http://schemas.microsoft.com/office/powerpoint/2010/main" val="354062062"/>
+      </p:ext>
+    </p:extLst>
+  </p:cSld>
+  <p:clrMapOvr>
+    <a:masterClrMapping/>
+  </p:clrMapOvr>
+</p:sld>
+</file>
+
+<file path=ppt/slides/slide39.xml><?xml version="1.0" encoding="utf-8"?>
+<p:sld xmlns:a="http://schemas.openxmlformats.org/drawingml/2006/main" xmlns:r="http://schemas.openxmlformats.org/officeDocument/2006/relationships" xmlns:p="http://schemas.openxmlformats.org/presentationml/2006/main">
+  <p:cSld>
+    <p:spTree>
+      <p:nvGrpSpPr>
+        <p:cNvPr id="1" name=""/>
+        <p:cNvGrpSpPr/>
+        <p:nvPr/>
+      </p:nvGrpSpPr>
+      <p:grpSpPr>
+        <a:xfrm>
+          <a:off x="0" y="0"/>
+          <a:ext cx="0" cy="0"/>
+          <a:chOff x="0" y="0"/>
+          <a:chExt cx="0" cy="0"/>
+        </a:xfrm>
+      </p:grpSpPr>
+      <p:sp>
+        <p:nvSpPr>
+          <p:cNvPr id="2" name="Title 1"/>
+          <p:cNvSpPr>
+            <a:spLocks noGrp="1"/>
+          </p:cNvSpPr>
+          <p:nvPr>
+            <p:ph type="title"/>
+          </p:nvPr>
+        </p:nvSpPr>
+        <p:spPr/>
+        <p:txBody>
+          <a:bodyPr/>
+          <a:lstStyle/>
+          <a:p>
+            <a:r>
+              <a:rPr lang="en-US" dirty="0" smtClean="0"/>
+              <a:t>Other issues – server headers</a:t>
+            </a:r>
+            <a:endParaRPr lang="en-US" dirty="0"/>
+          </a:p>
+        </p:txBody>
+      </p:sp>
+      <p:sp>
+        <p:nvSpPr>
+          <p:cNvPr id="3" name="Content Placeholder 2"/>
+          <p:cNvSpPr>
+            <a:spLocks noGrp="1"/>
+          </p:cNvSpPr>
+          <p:nvPr>
+            <p:ph idx="1"/>
+          </p:nvPr>
+        </p:nvSpPr>
+        <p:spPr/>
+        <p:txBody>
+          <a:bodyPr>
+            <a:normAutofit fontScale="70000" lnSpcReduction="20000"/>
+          </a:bodyPr>
+          <a:lstStyle/>
+          <a:p>
+            <a:r>
+              <a:rPr lang="en-US" dirty="0" smtClean="0"/>
+              <a:t>HTTPS not enforced and HTTP traffic can be sniffed – to fix:</a:t>
+            </a:r>
+          </a:p>
+          <a:p>
+            <a:pPr lvl="1"/>
+            <a:r>
+              <a:rPr lang="en-US" dirty="0" err="1"/>
+              <a:t>RewriteCond</a:t>
+            </a:r>
+            <a:r>
+              <a:rPr lang="en-US" dirty="0"/>
+              <a:t> %{HTTPS} off</a:t>
+            </a:r>
+          </a:p>
+          <a:p>
+            <a:pPr lvl="1"/>
+            <a:r>
+              <a:rPr lang="en-US" dirty="0" err="1"/>
+              <a:t>RewriteRule</a:t>
+            </a:r>
+            <a:r>
+              <a:rPr lang="en-US" dirty="0"/>
+              <a:t> ^ https://%{HTTP_HOST}%{REQUEST_URI}</a:t>
+            </a:r>
+          </a:p>
+          <a:p>
+            <a:pPr lvl="1"/>
+            <a:r>
+              <a:rPr lang="en-US" dirty="0"/>
+              <a:t>Header always set Content-Security-Policy "upgrade-insecure-requests; default-</a:t>
+            </a:r>
+            <a:r>
+              <a:rPr lang="en-US" dirty="0" err="1"/>
+              <a:t>src</a:t>
+            </a:r>
+            <a:r>
+              <a:rPr lang="en-US" dirty="0"/>
+              <a:t> https:"</a:t>
+            </a:r>
+          </a:p>
+          <a:p>
+            <a:pPr lvl="1"/>
+            <a:r>
+              <a:rPr lang="en-US" dirty="0"/>
+              <a:t>Header always set Strict-Transport-Security "max-age=31536000; </a:t>
+            </a:r>
+            <a:r>
+              <a:rPr lang="en-US" dirty="0" err="1"/>
+              <a:t>includeSubDomains</a:t>
+            </a:r>
+            <a:r>
+              <a:rPr lang="en-US" dirty="0"/>
+              <a:t>; preload" </a:t>
+            </a:r>
+            <a:r>
+              <a:rPr lang="en-US" dirty="0" err="1" smtClean="0"/>
+              <a:t>env</a:t>
+            </a:r>
+            <a:r>
+              <a:rPr lang="en-US" dirty="0" smtClean="0"/>
+              <a:t>=HTTPS</a:t>
+            </a:r>
+          </a:p>
+          <a:p>
+            <a:endParaRPr lang="en-US" dirty="0"/>
+          </a:p>
+          <a:p>
+            <a:r>
+              <a:rPr lang="en-US" dirty="0" smtClean="0"/>
+              <a:t>Clickjacking permitted by default – to fix:</a:t>
+            </a:r>
+          </a:p>
+          <a:p>
+            <a:pPr lvl="1"/>
+            <a:r>
+              <a:rPr lang="en-US" dirty="0"/>
+              <a:t>Header always set x-frame-options "</a:t>
+            </a:r>
+            <a:r>
+              <a:rPr lang="en-US" dirty="0" smtClean="0"/>
+              <a:t>SAMEORIGIN“</a:t>
+            </a:r>
+          </a:p>
+          <a:p>
+            <a:pPr marL="457200" lvl="1" indent="0">
+              <a:buNone/>
+            </a:pPr>
+            <a:endParaRPr lang="en-US" dirty="0" smtClean="0"/>
+          </a:p>
+          <a:p>
+            <a:r>
+              <a:rPr lang="en-US" dirty="0"/>
+              <a:t>“Server” header and “X-Powered-By” </a:t>
+            </a:r>
+            <a:r>
+              <a:rPr lang="en-US" dirty="0" smtClean="0"/>
+              <a:t>details server information – to fix:</a:t>
+            </a:r>
+          </a:p>
+          <a:p>
+            <a:pPr lvl="1"/>
+            <a:r>
+              <a:rPr lang="en-US" dirty="0" err="1"/>
+              <a:t>ServerSignature</a:t>
+            </a:r>
+            <a:r>
+              <a:rPr lang="en-US" dirty="0"/>
+              <a:t> Off</a:t>
+            </a:r>
+          </a:p>
+          <a:p>
+            <a:pPr lvl="1"/>
+            <a:r>
+              <a:rPr lang="en-US" dirty="0" smtClean="0"/>
+              <a:t>Header </a:t>
+            </a:r>
+            <a:r>
+              <a:rPr lang="en-US" dirty="0"/>
+              <a:t>always unset "Server"</a:t>
+            </a:r>
+          </a:p>
+          <a:p>
+            <a:pPr lvl="1"/>
+            <a:r>
+              <a:rPr lang="en-US" dirty="0" smtClean="0"/>
+              <a:t>Header </a:t>
+            </a:r>
+            <a:r>
+              <a:rPr lang="en-US" dirty="0"/>
+              <a:t>unset "Server"</a:t>
+            </a:r>
+          </a:p>
+          <a:p>
+            <a:pPr lvl="1"/>
+            <a:r>
+              <a:rPr lang="en-US" dirty="0" smtClean="0"/>
+              <a:t>Header </a:t>
+            </a:r>
+            <a:r>
+              <a:rPr lang="en-US" dirty="0"/>
+              <a:t>always unset "X-Powered-By"</a:t>
+            </a:r>
+          </a:p>
+          <a:p>
+            <a:pPr lvl="1"/>
+            <a:r>
+              <a:rPr lang="en-US" dirty="0" smtClean="0"/>
+              <a:t>Header </a:t>
+            </a:r>
+            <a:r>
+              <a:rPr lang="en-US" dirty="0"/>
+              <a:t>unset "X-Powered-By"</a:t>
+            </a:r>
+            <a:endParaRPr lang="en-US" dirty="0" smtClean="0"/>
+          </a:p>
+        </p:txBody>
+      </p:sp>
+    </p:spTree>
+    <p:extLst>
+      <p:ext uri="{BB962C8B-B14F-4D97-AF65-F5344CB8AC3E}">
+        <p14:creationId xmlns:p14="http://schemas.microsoft.com/office/powerpoint/2010/main" val="1368274427"/>
       </p:ext>
     </p:extLst>
   </p:cSld>
@@ -7405,6 +7608,103 @@
     <p:extLst>
       <p:ext uri="{BB962C8B-B14F-4D97-AF65-F5344CB8AC3E}">
         <p14:creationId xmlns:p14="http://schemas.microsoft.com/office/powerpoint/2010/main" val="296142828"/>
+      </p:ext>
+    </p:extLst>
+  </p:cSld>
+  <p:clrMapOvr>
+    <a:masterClrMapping/>
+  </p:clrMapOvr>
+</p:sld>
+</file>
+
+<file path=ppt/slides/slide40.xml><?xml version="1.0" encoding="utf-8"?>
+<p:sld xmlns:a="http://schemas.openxmlformats.org/drawingml/2006/main" xmlns:r="http://schemas.openxmlformats.org/officeDocument/2006/relationships" xmlns:p="http://schemas.openxmlformats.org/presentationml/2006/main">
+  <p:cSld>
+    <p:spTree>
+      <p:nvGrpSpPr>
+        <p:cNvPr id="1" name=""/>
+        <p:cNvGrpSpPr/>
+        <p:nvPr/>
+      </p:nvGrpSpPr>
+      <p:grpSpPr>
+        <a:xfrm>
+          <a:off x="0" y="0"/>
+          <a:ext cx="0" cy="0"/>
+          <a:chOff x="0" y="0"/>
+          <a:chExt cx="0" cy="0"/>
+        </a:xfrm>
+      </p:grpSpPr>
+      <p:sp>
+        <p:nvSpPr>
+          <p:cNvPr id="2" name="Title 1"/>
+          <p:cNvSpPr>
+            <a:spLocks noGrp="1"/>
+          </p:cNvSpPr>
+          <p:nvPr>
+            <p:ph type="title"/>
+          </p:nvPr>
+        </p:nvSpPr>
+        <p:spPr/>
+        <p:txBody>
+          <a:bodyPr/>
+          <a:lstStyle/>
+          <a:p>
+            <a:r>
+              <a:rPr lang="en-US" dirty="0" smtClean="0"/>
+              <a:t>Other issues – verbose logging</a:t>
+            </a:r>
+            <a:endParaRPr lang="en-US" dirty="0"/>
+          </a:p>
+        </p:txBody>
+      </p:sp>
+      <p:sp>
+        <p:nvSpPr>
+          <p:cNvPr id="3" name="Content Placeholder 2"/>
+          <p:cNvSpPr>
+            <a:spLocks noGrp="1"/>
+          </p:cNvSpPr>
+          <p:nvPr>
+            <p:ph idx="1"/>
+          </p:nvPr>
+        </p:nvSpPr>
+        <p:spPr/>
+        <p:txBody>
+          <a:bodyPr>
+            <a:normAutofit/>
+          </a:bodyPr>
+          <a:lstStyle/>
+          <a:p>
+            <a:r>
+              <a:rPr lang="en-US" dirty="0" err="1" smtClean="0"/>
+              <a:t>Search.php</a:t>
+            </a:r>
+            <a:r>
+              <a:rPr lang="en-US" dirty="0" smtClean="0"/>
+              <a:t> shows SQL error messages</a:t>
+            </a:r>
+          </a:p>
+          <a:p>
+            <a:r>
+              <a:rPr lang="en-US" dirty="0" smtClean="0"/>
+              <a:t>500s write error to page (log level)</a:t>
+            </a:r>
+          </a:p>
+          <a:p>
+            <a:r>
+              <a:rPr lang="en-US" dirty="0" err="1" smtClean="0"/>
+              <a:t>Phpinfo.php</a:t>
+            </a:r>
+            <a:r>
+              <a:rPr lang="en-US" dirty="0" smtClean="0"/>
+              <a:t> shows detailed server information</a:t>
+            </a:r>
+          </a:p>
+        </p:txBody>
+      </p:sp>
+    </p:spTree>
+    <p:extLst>
+      <p:ext uri="{BB962C8B-B14F-4D97-AF65-F5344CB8AC3E}">
+        <p14:creationId xmlns:p14="http://schemas.microsoft.com/office/powerpoint/2010/main" val="943851254"/>
       </p:ext>
     </p:extLst>
   </p:cSld>
@@ -7971,11 +8271,7 @@
           <a:p>
             <a:r>
               <a:rPr lang="en-US" dirty="0" smtClean="0"/>
-              <a:t>Use specific </a:t>
-            </a:r>
-            <a:r>
-              <a:rPr lang="en-US" dirty="0" smtClean="0"/>
-              <a:t>exploit</a:t>
+              <a:t>Use specific exploit</a:t>
             </a:r>
           </a:p>
           <a:p>

--- a/documents/Ethical_Hacking_101.pptx
+++ b/documents/Ethical_Hacking_101.pptx
@@ -282,7 +282,7 @@
           <a:p>
             <a:fld id="{EC19B5D7-65F5-41FF-90D5-923A1C8C0E2F}" type="datetimeFigureOut">
               <a:rPr lang="en-US" smtClean="0"/>
-              <a:t>10/1/2019</a:t>
+              <a:t>10/2/2019</a:t>
             </a:fld>
             <a:endParaRPr lang="en-US"/>
           </a:p>
@@ -452,7 +452,7 @@
           <a:p>
             <a:fld id="{EC19B5D7-65F5-41FF-90D5-923A1C8C0E2F}" type="datetimeFigureOut">
               <a:rPr lang="en-US" smtClean="0"/>
-              <a:t>10/1/2019</a:t>
+              <a:t>10/2/2019</a:t>
             </a:fld>
             <a:endParaRPr lang="en-US"/>
           </a:p>
@@ -632,7 +632,7 @@
           <a:p>
             <a:fld id="{EC19B5D7-65F5-41FF-90D5-923A1C8C0E2F}" type="datetimeFigureOut">
               <a:rPr lang="en-US" smtClean="0"/>
-              <a:t>10/1/2019</a:t>
+              <a:t>10/2/2019</a:t>
             </a:fld>
             <a:endParaRPr lang="en-US"/>
           </a:p>
@@ -802,7 +802,7 @@
           <a:p>
             <a:fld id="{EC19B5D7-65F5-41FF-90D5-923A1C8C0E2F}" type="datetimeFigureOut">
               <a:rPr lang="en-US" smtClean="0"/>
-              <a:t>10/1/2019</a:t>
+              <a:t>10/2/2019</a:t>
             </a:fld>
             <a:endParaRPr lang="en-US"/>
           </a:p>
@@ -1048,7 +1048,7 @@
           <a:p>
             <a:fld id="{EC19B5D7-65F5-41FF-90D5-923A1C8C0E2F}" type="datetimeFigureOut">
               <a:rPr lang="en-US" smtClean="0"/>
-              <a:t>10/1/2019</a:t>
+              <a:t>10/2/2019</a:t>
             </a:fld>
             <a:endParaRPr lang="en-US"/>
           </a:p>
@@ -1280,7 +1280,7 @@
           <a:p>
             <a:fld id="{EC19B5D7-65F5-41FF-90D5-923A1C8C0E2F}" type="datetimeFigureOut">
               <a:rPr lang="en-US" smtClean="0"/>
-              <a:t>10/1/2019</a:t>
+              <a:t>10/2/2019</a:t>
             </a:fld>
             <a:endParaRPr lang="en-US"/>
           </a:p>
@@ -1647,7 +1647,7 @@
           <a:p>
             <a:fld id="{EC19B5D7-65F5-41FF-90D5-923A1C8C0E2F}" type="datetimeFigureOut">
               <a:rPr lang="en-US" smtClean="0"/>
-              <a:t>10/1/2019</a:t>
+              <a:t>10/2/2019</a:t>
             </a:fld>
             <a:endParaRPr lang="en-US"/>
           </a:p>
@@ -1765,7 +1765,7 @@
           <a:p>
             <a:fld id="{EC19B5D7-65F5-41FF-90D5-923A1C8C0E2F}" type="datetimeFigureOut">
               <a:rPr lang="en-US" smtClean="0"/>
-              <a:t>10/1/2019</a:t>
+              <a:t>10/2/2019</a:t>
             </a:fld>
             <a:endParaRPr lang="en-US"/>
           </a:p>
@@ -1860,7 +1860,7 @@
           <a:p>
             <a:fld id="{EC19B5D7-65F5-41FF-90D5-923A1C8C0E2F}" type="datetimeFigureOut">
               <a:rPr lang="en-US" smtClean="0"/>
-              <a:t>10/1/2019</a:t>
+              <a:t>10/2/2019</a:t>
             </a:fld>
             <a:endParaRPr lang="en-US"/>
           </a:p>
@@ -2137,7 +2137,7 @@
           <a:p>
             <a:fld id="{EC19B5D7-65F5-41FF-90D5-923A1C8C0E2F}" type="datetimeFigureOut">
               <a:rPr lang="en-US" smtClean="0"/>
-              <a:t>10/1/2019</a:t>
+              <a:t>10/2/2019</a:t>
             </a:fld>
             <a:endParaRPr lang="en-US"/>
           </a:p>
@@ -2390,7 +2390,7 @@
           <a:p>
             <a:fld id="{EC19B5D7-65F5-41FF-90D5-923A1C8C0E2F}" type="datetimeFigureOut">
               <a:rPr lang="en-US" smtClean="0"/>
-              <a:t>10/1/2019</a:t>
+              <a:t>10/2/2019</a:t>
             </a:fld>
             <a:endParaRPr lang="en-US"/>
           </a:p>
@@ -2603,7 +2603,7 @@
           <a:p>
             <a:fld id="{EC19B5D7-65F5-41FF-90D5-923A1C8C0E2F}" type="datetimeFigureOut">
               <a:rPr lang="en-US" smtClean="0"/>
-              <a:t>10/1/2019</a:t>
+              <a:t>10/2/2019</a:t>
             </a:fld>
             <a:endParaRPr lang="en-US"/>
           </a:p>
@@ -5171,7 +5171,7 @@
         <p:spPr/>
         <p:txBody>
           <a:bodyPr>
-            <a:normAutofit/>
+            <a:normAutofit lnSpcReduction="10000"/>
           </a:bodyPr>
           <a:lstStyle/>
           <a:p>
@@ -5217,8 +5217,19 @@
           <a:p>
             <a:r>
               <a:rPr lang="en-US" dirty="0" smtClean="0"/>
-              <a:t>Use a library to handle automatic CSRF insertion and validation</a:t>
-            </a:r>
+              <a:t>Use a library to handle automatic CSRF insertion and </a:t>
+            </a:r>
+            <a:r>
+              <a:rPr lang="en-US" dirty="0" smtClean="0"/>
+              <a:t>validation</a:t>
+            </a:r>
+          </a:p>
+          <a:p>
+            <a:r>
+              <a:rPr lang="en-US" dirty="0" smtClean="0"/>
+              <a:t>Use a RNG library to generate the tokens</a:t>
+            </a:r>
+            <a:endParaRPr lang="en-US" dirty="0" smtClean="0"/>
           </a:p>
         </p:txBody>
       </p:sp>
@@ -6539,7 +6550,6 @@
               <a:rPr lang="en-US" dirty="0" smtClean="0"/>
               <a:t>Hydra</a:t>
             </a:r>
-            <a:endParaRPr lang="en-US" dirty="0" smtClean="0"/>
           </a:p>
           <a:p>
             <a:r>
